--- a/porjectPosterThing.pptx
+++ b/porjectPosterThing.pptx
@@ -6,12 +6,11 @@
   </p:sldMasterIdLst>
   <p:sldIdLst>
     <p:sldId id="256" r:id="rId2"/>
-    <p:sldId id="269" r:id="rId3"/>
+    <p:sldId id="268" r:id="rId3"/>
     <p:sldId id="278" r:id="rId4"/>
-    <p:sldId id="279" r:id="rId5"/>
-    <p:sldId id="282" r:id="rId6"/>
-    <p:sldId id="280" r:id="rId7"/>
-    <p:sldId id="281" r:id="rId8"/>
+    <p:sldId id="282" r:id="rId5"/>
+    <p:sldId id="280" r:id="rId6"/>
+    <p:sldId id="281" r:id="rId7"/>
   </p:sldIdLst>
   <p:sldSz cx="12192000" cy="6858000"/>
   <p:notesSz cx="6858000" cy="9144000"/>
@@ -7059,19 +7058,18 @@
           <a:lstStyle/>
           <a:p>
             <a:r>
-              <a:rPr lang="en-GB"/>
+              <a:rPr lang="en-GB" dirty="0"/>
               <a:t>The Idea</a:t>
             </a:r>
-            <a:endParaRPr lang="en-GB" dirty="0"/>
-          </a:p>
-        </p:txBody>
-      </p:sp>
-      <p:sp>
-        <p:nvSpPr>
-          <p:cNvPr id="6" name="Content Placeholder 5">
+          </a:p>
+        </p:txBody>
+      </p:sp>
+      <p:sp>
+        <p:nvSpPr>
+          <p:cNvPr id="3" name="Content Placeholder 2">
             <a:extLst>
               <a:ext uri="{FF2B5EF4-FFF2-40B4-BE49-F238E27FC236}">
-                <a16:creationId xmlns:a16="http://schemas.microsoft.com/office/drawing/2014/main" id="{B32A7746-5C8B-4F7B-993E-4647E11AA726}"/>
+                <a16:creationId xmlns:a16="http://schemas.microsoft.com/office/drawing/2014/main" id="{6FE23BC1-0B6E-413F-90C3-E92B246D07F7}"/>
               </a:ext>
             </a:extLst>
           </p:cNvPr>
@@ -7082,19 +7080,117 @@
             <p:ph idx="1"/>
           </p:nvPr>
         </p:nvSpPr>
-        <p:spPr/>
+        <p:spPr>
+          <a:xfrm>
+            <a:off x="677334" y="1748791"/>
+            <a:ext cx="8596668" cy="4292572"/>
+          </a:xfrm>
+        </p:spPr>
         <p:txBody>
           <a:bodyPr/>
           <a:lstStyle/>
           <a:p>
+            <a:r>
+              <a:rPr lang="en-GB" dirty="0"/>
+              <a:t>The average person can find it difficult to </a:t>
+            </a:r>
+          </a:p>
+          <a:p>
+            <a:pPr marL="0" indent="0">
+              <a:buNone/>
+            </a:pPr>
+            <a:r>
+              <a:rPr lang="en-GB" dirty="0"/>
+              <a:t>choose what to wear.</a:t>
+            </a:r>
+          </a:p>
+          <a:p>
             <a:endParaRPr lang="en-GB" dirty="0"/>
           </a:p>
-        </p:txBody>
-      </p:sp>
+          <a:p>
+            <a:r>
+              <a:rPr lang="en-GB" dirty="0"/>
+              <a:t>Today we are often overwhelmed by the </a:t>
+            </a:r>
+          </a:p>
+          <a:p>
+            <a:pPr marL="0" indent="0">
+              <a:buNone/>
+            </a:pPr>
+            <a:r>
+              <a:rPr lang="en-GB" dirty="0"/>
+              <a:t>amount of choice.</a:t>
+            </a:r>
+          </a:p>
+          <a:p>
+            <a:pPr marL="0" indent="0">
+              <a:buNone/>
+            </a:pPr>
+            <a:endParaRPr lang="en-GB" dirty="0"/>
+          </a:p>
+          <a:p>
+            <a:r>
+              <a:rPr lang="en-GB" dirty="0"/>
+              <a:t>Modern technology can be used to streamline </a:t>
+            </a:r>
+          </a:p>
+          <a:p>
+            <a:pPr marL="0" indent="0">
+              <a:buNone/>
+            </a:pPr>
+            <a:r>
+              <a:rPr lang="en-GB" dirty="0"/>
+              <a:t>this process.</a:t>
+            </a:r>
+          </a:p>
+          <a:p>
+            <a:pPr marL="0" indent="0">
+              <a:buNone/>
+            </a:pPr>
+            <a:endParaRPr lang="en-GB" dirty="0"/>
+          </a:p>
+        </p:txBody>
+      </p:sp>
+      <p:pic>
+        <p:nvPicPr>
+          <p:cNvPr id="5" name="Picture 4">
+            <a:extLst>
+              <a:ext uri="{FF2B5EF4-FFF2-40B4-BE49-F238E27FC236}">
+                <a16:creationId xmlns:a16="http://schemas.microsoft.com/office/drawing/2014/main" id="{C5CE3B2D-A96B-4839-A60B-584B61D7CA2E}"/>
+              </a:ext>
+            </a:extLst>
+          </p:cNvPr>
+          <p:cNvPicPr>
+            <a:picLocks noChangeAspect="1"/>
+          </p:cNvPicPr>
+          <p:nvPr/>
+        </p:nvPicPr>
+        <p:blipFill>
+          <a:blip r:embed="rId2">
+            <a:extLst>
+              <a:ext uri="{28A0092B-C50C-407E-A947-70E740481C1C}">
+                <a14:useLocalDpi xmlns:a14="http://schemas.microsoft.com/office/drawing/2010/main" val="0"/>
+              </a:ext>
+            </a:extLst>
+          </a:blip>
+          <a:stretch>
+            <a:fillRect/>
+          </a:stretch>
+        </p:blipFill>
+        <p:spPr>
+          <a:xfrm>
+            <a:off x="5829973" y="2091434"/>
+            <a:ext cx="3850475" cy="2675131"/>
+          </a:xfrm>
+          <a:prstGeom prst="rect">
+            <a:avLst/>
+          </a:prstGeom>
+        </p:spPr>
+      </p:pic>
     </p:spTree>
     <p:extLst>
       <p:ext uri="{BB962C8B-B14F-4D97-AF65-F5344CB8AC3E}">
-        <p14:creationId xmlns:p14="http://schemas.microsoft.com/office/powerpoint/2010/main" val="1196032664"/>
+        <p14:creationId xmlns:p14="http://schemas.microsoft.com/office/powerpoint/2010/main" val="1544071109"/>
       </p:ext>
     </p:extLst>
   </p:cSld>
@@ -7333,7 +7429,7 @@
           <p:cNvPr id="2" name="Title 1">
             <a:extLst>
               <a:ext uri="{FF2B5EF4-FFF2-40B4-BE49-F238E27FC236}">
-                <a16:creationId xmlns:a16="http://schemas.microsoft.com/office/drawing/2014/main" id="{B542C3E4-6EDA-49F3-8DAD-B6307579D6AF}"/>
+                <a16:creationId xmlns:a16="http://schemas.microsoft.com/office/drawing/2014/main" id="{65DE6543-2F7D-48D8-ACED-2279B79B067C}"/>
               </a:ext>
             </a:extLst>
           </p:cNvPr>
@@ -7351,7 +7447,77 @@
           <a:p>
             <a:r>
               <a:rPr lang="en-GB" dirty="0"/>
-              <a:t>My Innovation </a:t>
+              <a:t>The Neural Network</a:t>
+            </a:r>
+          </a:p>
+        </p:txBody>
+      </p:sp>
+      <p:pic>
+        <p:nvPicPr>
+          <p:cNvPr id="5" name="Content Placeholder 4" descr="Diagram&#10;&#10;Description automatically generated">
+            <a:extLst>
+              <a:ext uri="{FF2B5EF4-FFF2-40B4-BE49-F238E27FC236}">
+                <a16:creationId xmlns:a16="http://schemas.microsoft.com/office/drawing/2014/main" id="{9716C951-502F-4B74-B513-9A5EB4B6471A}"/>
+              </a:ext>
+            </a:extLst>
+          </p:cNvPr>
+          <p:cNvPicPr>
+            <a:picLocks noGrp="1" noChangeAspect="1"/>
+          </p:cNvPicPr>
+          <p:nvPr>
+            <p:ph idx="1"/>
+          </p:nvPr>
+        </p:nvPicPr>
+        <p:blipFill>
+          <a:blip r:embed="rId2">
+            <a:extLst>
+              <a:ext uri="{28A0092B-C50C-407E-A947-70E740481C1C}">
+                <a14:useLocalDpi xmlns:a14="http://schemas.microsoft.com/office/drawing/2010/main" val="0"/>
+              </a:ext>
+            </a:extLst>
+          </a:blip>
+          <a:stretch>
+            <a:fillRect/>
+          </a:stretch>
+        </p:blipFill>
+        <p:spPr>
+          <a:xfrm>
+            <a:off x="1589427" y="2002972"/>
+            <a:ext cx="7017295" cy="3842544"/>
+          </a:xfrm>
+        </p:spPr>
+      </p:pic>
+      <p:sp>
+        <p:nvSpPr>
+          <p:cNvPr id="4" name="TextBox 3">
+            <a:extLst>
+              <a:ext uri="{FF2B5EF4-FFF2-40B4-BE49-F238E27FC236}">
+                <a16:creationId xmlns:a16="http://schemas.microsoft.com/office/drawing/2014/main" id="{5783446A-9511-4CEE-9788-16049FAD322A}"/>
+              </a:ext>
+            </a:extLst>
+          </p:cNvPr>
+          <p:cNvSpPr txBox="1"/>
+          <p:nvPr/>
+        </p:nvSpPr>
+        <p:spPr>
+          <a:xfrm>
+            <a:off x="1080978" y="6063734"/>
+            <a:ext cx="8193024" cy="369332"/>
+          </a:xfrm>
+          <a:prstGeom prst="rect">
+            <a:avLst/>
+          </a:prstGeom>
+          <a:noFill/>
+        </p:spPr>
+        <p:txBody>
+          <a:bodyPr wrap="square" rtlCol="0">
+            <a:spAutoFit/>
+          </a:bodyPr>
+          <a:lstStyle/>
+          <a:p>
+            <a:r>
+              <a:rPr lang="en-GB" b="1" dirty="0"/>
+              <a:t>The basic model of the neural network which is implemented in the app</a:t>
             </a:r>
           </a:p>
         </p:txBody>
@@ -7359,7 +7525,7 @@
     </p:spTree>
     <p:extLst>
       <p:ext uri="{BB962C8B-B14F-4D97-AF65-F5344CB8AC3E}">
-        <p14:creationId xmlns:p14="http://schemas.microsoft.com/office/powerpoint/2010/main" val="1650445100"/>
+        <p14:creationId xmlns:p14="http://schemas.microsoft.com/office/powerpoint/2010/main" val="2079003164"/>
       </p:ext>
     </p:extLst>
   </p:cSld>
@@ -7391,134 +7557,6 @@
           <p:cNvPr id="2" name="Title 1">
             <a:extLst>
               <a:ext uri="{FF2B5EF4-FFF2-40B4-BE49-F238E27FC236}">
-                <a16:creationId xmlns:a16="http://schemas.microsoft.com/office/drawing/2014/main" id="{65DE6543-2F7D-48D8-ACED-2279B79B067C}"/>
-              </a:ext>
-            </a:extLst>
-          </p:cNvPr>
-          <p:cNvSpPr>
-            <a:spLocks noGrp="1"/>
-          </p:cNvSpPr>
-          <p:nvPr>
-            <p:ph type="title"/>
-          </p:nvPr>
-        </p:nvSpPr>
-        <p:spPr/>
-        <p:txBody>
-          <a:bodyPr/>
-          <a:lstStyle/>
-          <a:p>
-            <a:r>
-              <a:rPr lang="en-GB" dirty="0"/>
-              <a:t>The Neural Network</a:t>
-            </a:r>
-          </a:p>
-        </p:txBody>
-      </p:sp>
-      <p:pic>
-        <p:nvPicPr>
-          <p:cNvPr id="5" name="Content Placeholder 4" descr="Diagram&#10;&#10;Description automatically generated">
-            <a:extLst>
-              <a:ext uri="{FF2B5EF4-FFF2-40B4-BE49-F238E27FC236}">
-                <a16:creationId xmlns:a16="http://schemas.microsoft.com/office/drawing/2014/main" id="{9716C951-502F-4B74-B513-9A5EB4B6471A}"/>
-              </a:ext>
-            </a:extLst>
-          </p:cNvPr>
-          <p:cNvPicPr>
-            <a:picLocks noGrp="1" noChangeAspect="1"/>
-          </p:cNvPicPr>
-          <p:nvPr>
-            <p:ph idx="1"/>
-          </p:nvPr>
-        </p:nvPicPr>
-        <p:blipFill>
-          <a:blip r:embed="rId2">
-            <a:extLst>
-              <a:ext uri="{28A0092B-C50C-407E-A947-70E740481C1C}">
-                <a14:useLocalDpi xmlns:a14="http://schemas.microsoft.com/office/drawing/2010/main" val="0"/>
-              </a:ext>
-            </a:extLst>
-          </a:blip>
-          <a:stretch>
-            <a:fillRect/>
-          </a:stretch>
-        </p:blipFill>
-        <p:spPr>
-          <a:xfrm>
-            <a:off x="1589427" y="2002972"/>
-            <a:ext cx="7017295" cy="3842544"/>
-          </a:xfrm>
-        </p:spPr>
-      </p:pic>
-      <p:sp>
-        <p:nvSpPr>
-          <p:cNvPr id="4" name="TextBox 3">
-            <a:extLst>
-              <a:ext uri="{FF2B5EF4-FFF2-40B4-BE49-F238E27FC236}">
-                <a16:creationId xmlns:a16="http://schemas.microsoft.com/office/drawing/2014/main" id="{5783446A-9511-4CEE-9788-16049FAD322A}"/>
-              </a:ext>
-            </a:extLst>
-          </p:cNvPr>
-          <p:cNvSpPr txBox="1"/>
-          <p:nvPr/>
-        </p:nvSpPr>
-        <p:spPr>
-          <a:xfrm>
-            <a:off x="1080978" y="6063734"/>
-            <a:ext cx="8193024" cy="369332"/>
-          </a:xfrm>
-          <a:prstGeom prst="rect">
-            <a:avLst/>
-          </a:prstGeom>
-          <a:noFill/>
-        </p:spPr>
-        <p:txBody>
-          <a:bodyPr wrap="square" rtlCol="0">
-            <a:spAutoFit/>
-          </a:bodyPr>
-          <a:lstStyle/>
-          <a:p>
-            <a:r>
-              <a:rPr lang="en-GB" b="1" dirty="0"/>
-              <a:t>The basic model of the neural network which is implemented in the app</a:t>
-            </a:r>
-          </a:p>
-        </p:txBody>
-      </p:sp>
-    </p:spTree>
-    <p:extLst>
-      <p:ext uri="{BB962C8B-B14F-4D97-AF65-F5344CB8AC3E}">
-        <p14:creationId xmlns:p14="http://schemas.microsoft.com/office/powerpoint/2010/main" val="2079003164"/>
-      </p:ext>
-    </p:extLst>
-  </p:cSld>
-  <p:clrMapOvr>
-    <a:masterClrMapping/>
-  </p:clrMapOvr>
-</p:sld>
-</file>
-
-<file path=ppt/slides/slide6.xml><?xml version="1.0" encoding="utf-8"?>
-<p:sld xmlns:a="http://schemas.openxmlformats.org/drawingml/2006/main" xmlns:r="http://schemas.openxmlformats.org/officeDocument/2006/relationships" xmlns:p="http://schemas.openxmlformats.org/presentationml/2006/main">
-  <p:cSld>
-    <p:spTree>
-      <p:nvGrpSpPr>
-        <p:cNvPr id="1" name=""/>
-        <p:cNvGrpSpPr/>
-        <p:nvPr/>
-      </p:nvGrpSpPr>
-      <p:grpSpPr>
-        <a:xfrm>
-          <a:off x="0" y="0"/>
-          <a:ext cx="0" cy="0"/>
-          <a:chOff x="0" y="0"/>
-          <a:chExt cx="0" cy="0"/>
-        </a:xfrm>
-      </p:grpSpPr>
-      <p:sp>
-        <p:nvSpPr>
-          <p:cNvPr id="2" name="Title 1">
-            <a:extLst>
-              <a:ext uri="{FF2B5EF4-FFF2-40B4-BE49-F238E27FC236}">
                 <a16:creationId xmlns:a16="http://schemas.microsoft.com/office/drawing/2014/main" id="{046C8CA5-A2C3-4E80-9E68-CE4AFF6C5D76}"/>
               </a:ext>
             </a:extLst>
@@ -7620,7 +7658,7 @@
 </p:sld>
 </file>
 
-<file path=ppt/slides/slide7.xml><?xml version="1.0" encoding="utf-8"?>
+<file path=ppt/slides/slide6.xml><?xml version="1.0" encoding="utf-8"?>
 <p:sld xmlns:a="http://schemas.openxmlformats.org/drawingml/2006/main" xmlns:r="http://schemas.openxmlformats.org/officeDocument/2006/relationships" xmlns:p="http://schemas.openxmlformats.org/presentationml/2006/main">
   <p:cSld>
     <p:spTree>

--- a/porjectPosterThing.pptx
+++ b/porjectPosterThing.pptx
@@ -7,10 +7,18 @@
   <p:sldIdLst>
     <p:sldId id="256" r:id="rId2"/>
     <p:sldId id="268" r:id="rId3"/>
-    <p:sldId id="278" r:id="rId4"/>
-    <p:sldId id="282" r:id="rId5"/>
-    <p:sldId id="280" r:id="rId6"/>
+    <p:sldId id="285" r:id="rId4"/>
+    <p:sldId id="278" r:id="rId5"/>
+    <p:sldId id="282" r:id="rId6"/>
     <p:sldId id="281" r:id="rId7"/>
+    <p:sldId id="287" r:id="rId8"/>
+    <p:sldId id="290" r:id="rId9"/>
+    <p:sldId id="288" r:id="rId10"/>
+    <p:sldId id="291" r:id="rId11"/>
+    <p:sldId id="293" r:id="rId12"/>
+    <p:sldId id="292" r:id="rId13"/>
+    <p:sldId id="280" r:id="rId14"/>
+    <p:sldId id="283" r:id="rId15"/>
   </p:sldIdLst>
   <p:sldSz cx="12192000" cy="6858000"/>
   <p:notesSz cx="6858000" cy="9144000"/>
@@ -117,6 +125,18 @@
 </p:presentation>
 </file>
 
+<file path=ppt/commentAuthors.xml><?xml version="1.0" encoding="utf-8"?>
+<p:cmAuthorLst xmlns:a="http://schemas.openxmlformats.org/drawingml/2006/main" xmlns:r="http://schemas.openxmlformats.org/officeDocument/2006/relationships" xmlns:p="http://schemas.openxmlformats.org/presentationml/2006/main">
+  <p:cmAuthor id="1" name="Joe Mckeown" initials="JM" lastIdx="1" clrIdx="0">
+    <p:extLst>
+      <p:ext uri="{19B8F6BF-5375-455C-9EA6-DF929625EA0E}">
+        <p15:presenceInfo xmlns:p15="http://schemas.microsoft.com/office/powerpoint/2012/main" userId="ac2057a551bee5f2" providerId="Windows Live"/>
+      </p:ext>
+    </p:extLst>
+  </p:cmAuthor>
+</p:cmAuthorLst>
+</file>
+
 <file path=ppt/charts/chart1.xml><?xml version="1.0" encoding="utf-8"?>
 <c:chartSpace xmlns:c="http://schemas.openxmlformats.org/drawingml/2006/chart" xmlns:a="http://schemas.openxmlformats.org/drawingml/2006/main" xmlns:r="http://schemas.openxmlformats.org/officeDocument/2006/relationships" xmlns:c16r2="http://schemas.microsoft.com/office/drawing/2015/06/chart">
   <c:date1904 val="0"/>
@@ -151,24 +171,10 @@
               </a:defRPr>
             </a:pPr>
             <a:r>
-              <a:rPr lang="en-US"/>
-              <a:t>Testing</a:t>
-            </a:r>
-            <a:r>
-              <a:rPr lang="en-US" baseline="0"/>
-              <a:t> </a:t>
-            </a:r>
-            <a:r>
-              <a:rPr lang="en-GB" sz="1400" b="0" i="0" u="none" strike="noStrike" baseline="0">
-                <a:effectLst/>
-              </a:rPr>
-              <a:t>Accuracy</a:t>
-            </a:r>
-            <a:r>
-              <a:rPr lang="en-US" baseline="0"/>
-              <a:t> of Neural Network</a:t>
-            </a:r>
-            <a:endParaRPr lang="en-US"/>
+              <a:rPr lang="en-GB" baseline="0" dirty="0"/>
+              <a:t>Neural Net Prediction Accuracy Test</a:t>
+            </a:r>
+            <a:endParaRPr lang="en-GB" dirty="0"/>
           </a:p>
         </c:rich>
       </c:tx>
@@ -208,23 +214,15 @@
         <c:scatterStyle val="lineMarker"/>
         <c:varyColors val="0"/>
         <c:ser>
-          <c:idx val="0"/>
-          <c:order val="0"/>
+          <c:idx val="1"/>
+          <c:order val="1"/>
           <c:tx>
-            <c:strRef>
-              <c:f>Sheet1!$J$2</c:f>
-              <c:strCache>
-                <c:ptCount val="1"/>
-                <c:pt idx="0">
-                  <c:v>Average</c:v>
-                </c:pt>
-              </c:strCache>
-            </c:strRef>
+            <c:v>test2</c:v>
           </c:tx>
           <c:spPr>
             <a:ln w="19050" cap="rnd">
               <a:solidFill>
-                <a:schemeClr val="accent1"/>
+                <a:schemeClr val="accent2"/>
               </a:solidFill>
               <a:round/>
             </a:ln>
@@ -235,11 +233,11 @@
             <c:size val="5"/>
             <c:spPr>
               <a:solidFill>
-                <a:schemeClr val="accent1"/>
+                <a:schemeClr val="accent2"/>
               </a:solidFill>
               <a:ln w="9525">
                 <a:solidFill>
-                  <a:schemeClr val="accent1"/>
+                  <a:schemeClr val="accent2"/>
                 </a:solidFill>
               </a:ln>
               <a:effectLst/>
@@ -247,90 +245,96 @@
           </c:marker>
           <c:xVal>
             <c:numRef>
-              <c:f>Sheet1!$D$3:$D$14</c:f>
+              <c:f>Sheet1!$D$21:$D$33</c:f>
               <c:numCache>
                 <c:formatCode>General</c:formatCode>
-                <c:ptCount val="12"/>
+                <c:ptCount val="13"/>
                 <c:pt idx="0">
                   <c:v>0</c:v>
                 </c:pt>
                 <c:pt idx="1">
-                  <c:v>1</c:v>
+                  <c:v>10</c:v>
                 </c:pt>
                 <c:pt idx="2">
-                  <c:v>2</c:v>
+                  <c:v>20</c:v>
                 </c:pt>
                 <c:pt idx="3">
-                  <c:v>3</c:v>
+                  <c:v>30</c:v>
                 </c:pt>
                 <c:pt idx="4">
-                  <c:v>4</c:v>
+                  <c:v>40</c:v>
                 </c:pt>
                 <c:pt idx="5">
-                  <c:v>5</c:v>
+                  <c:v>50</c:v>
                 </c:pt>
                 <c:pt idx="6">
-                  <c:v>6</c:v>
+                  <c:v>60</c:v>
                 </c:pt>
                 <c:pt idx="7">
-                  <c:v>7</c:v>
+                  <c:v>70</c:v>
                 </c:pt>
                 <c:pt idx="8">
-                  <c:v>8</c:v>
+                  <c:v>80</c:v>
                 </c:pt>
                 <c:pt idx="9">
-                  <c:v>9</c:v>
+                  <c:v>90</c:v>
                 </c:pt>
                 <c:pt idx="10">
-                  <c:v>10</c:v>
+                  <c:v>100</c:v>
                 </c:pt>
                 <c:pt idx="11">
-                  <c:v>11</c:v>
+                  <c:v>150</c:v>
+                </c:pt>
+                <c:pt idx="12">
+                  <c:v>200</c:v>
                 </c:pt>
               </c:numCache>
             </c:numRef>
           </c:xVal>
           <c:yVal>
             <c:numRef>
-              <c:f>Sheet1!$J$3:$J$14</c:f>
+              <c:f>Sheet1!$J$21:$J$33</c:f>
               <c:numCache>
                 <c:formatCode>General</c:formatCode>
-                <c:ptCount val="12"/>
+                <c:ptCount val="13"/>
                 <c:pt idx="0">
-                  <c:v>50</c:v>
+                  <c:v>39.6</c:v>
                 </c:pt>
                 <c:pt idx="1">
-                  <c:v>50</c:v>
+                  <c:v>41.6</c:v>
                 </c:pt>
                 <c:pt idx="2">
-                  <c:v>0</c:v>
+                  <c:v>44.4</c:v>
                 </c:pt>
                 <c:pt idx="3">
-                  <c:v>0</c:v>
+                  <c:v>51.4</c:v>
                 </c:pt>
                 <c:pt idx="4">
-                  <c:v>50</c:v>
+                  <c:v>51.8</c:v>
                 </c:pt>
                 <c:pt idx="5">
-                  <c:v>83</c:v>
+                  <c:v>52.2</c:v>
                 </c:pt>
                 <c:pt idx="6">
-                  <c:v>83</c:v>
+                  <c:v>55</c:v>
                 </c:pt>
                 <c:pt idx="7">
-                  <c:v>66</c:v>
+                  <c:v>57.8</c:v>
                 </c:pt>
                 <c:pt idx="8">
-                  <c:v>83</c:v>
+                  <c:v>64.400000000000006</c:v>
                 </c:pt>
                 <c:pt idx="9">
-                  <c:v>83</c:v>
+                  <c:v>64</c:v>
                 </c:pt>
                 <c:pt idx="10">
-                  <c:v>83</c:v>
+                  <c:v>68</c:v>
                 </c:pt>
                 <c:pt idx="11">
-                  <c:v>100</c:v>
+                  <c:v>66.8</c:v>
+                </c:pt>
+                <c:pt idx="12">
+                  <c:v>75.400000000000006</c:v>
                 </c:pt>
               </c:numCache>
             </c:numRef>
@@ -338,7 +342,7 @@
           <c:smooth val="0"/>
           <c:extLst>
             <c:ext xmlns:c16="http://schemas.microsoft.com/office/drawing/2014/chart" uri="{C3380CC4-5D6E-409C-BE32-E72D297353CC}">
-              <c16:uniqueId val="{00000000-7E9B-42DE-9788-9C9326C4847B}"/>
+              <c16:uniqueId val="{00000000-E893-4606-AE44-C0BB041A9686}"/>
             </c:ext>
           </c:extLst>
         </c:ser>
@@ -350,13 +354,162 @@
           <c:showPercent val="0"/>
           <c:showBubbleSize val="0"/>
         </c:dLbls>
-        <c:axId val="149603984"/>
-        <c:axId val="233941728"/>
+        <c:axId val="1483621264"/>
+        <c:axId val="1866947264"/>
+        <c:extLst>
+          <c:ext xmlns:c15="http://schemas.microsoft.com/office/drawing/2012/chart" uri="{02D57815-91ED-43cb-92C2-25804820EDAC}">
+            <c15:filteredScatterSeries>
+              <c15:ser>
+                <c:idx val="0"/>
+                <c:order val="0"/>
+                <c:spPr>
+                  <a:ln w="19050" cap="rnd">
+                    <a:solidFill>
+                      <a:schemeClr val="accent1"/>
+                    </a:solidFill>
+                    <a:round/>
+                  </a:ln>
+                  <a:effectLst/>
+                </c:spPr>
+                <c:marker>
+                  <c:symbol val="circle"/>
+                  <c:size val="5"/>
+                  <c:spPr>
+                    <a:solidFill>
+                      <a:schemeClr val="accent1"/>
+                    </a:solidFill>
+                    <a:ln w="9525">
+                      <a:solidFill>
+                        <a:schemeClr val="accent1"/>
+                      </a:solidFill>
+                    </a:ln>
+                    <a:effectLst/>
+                  </c:spPr>
+                </c:marker>
+                <c:xVal>
+                  <c:numRef>
+                    <c:extLst>
+                      <c:ext uri="{02D57815-91ED-43cb-92C2-25804820EDAC}">
+                        <c15:formulaRef>
+                          <c15:sqref>Sheet1!$D$3:$D$15</c15:sqref>
+                        </c15:formulaRef>
+                      </c:ext>
+                    </c:extLst>
+                    <c:numCache>
+                      <c:formatCode>General</c:formatCode>
+                      <c:ptCount val="13"/>
+                      <c:pt idx="0">
+                        <c:v>0</c:v>
+                      </c:pt>
+                      <c:pt idx="1">
+                        <c:v>10</c:v>
+                      </c:pt>
+                      <c:pt idx="2">
+                        <c:v>20</c:v>
+                      </c:pt>
+                      <c:pt idx="3">
+                        <c:v>30</c:v>
+                      </c:pt>
+                      <c:pt idx="4">
+                        <c:v>40</c:v>
+                      </c:pt>
+                      <c:pt idx="5">
+                        <c:v>50</c:v>
+                      </c:pt>
+                      <c:pt idx="6">
+                        <c:v>60</c:v>
+                      </c:pt>
+                      <c:pt idx="7">
+                        <c:v>70</c:v>
+                      </c:pt>
+                      <c:pt idx="8">
+                        <c:v>80</c:v>
+                      </c:pt>
+                      <c:pt idx="9">
+                        <c:v>90</c:v>
+                      </c:pt>
+                      <c:pt idx="10">
+                        <c:v>100</c:v>
+                      </c:pt>
+                      <c:pt idx="11">
+                        <c:v>150</c:v>
+                      </c:pt>
+                      <c:pt idx="12">
+                        <c:v>200</c:v>
+                      </c:pt>
+                    </c:numCache>
+                  </c:numRef>
+                </c:xVal>
+                <c:yVal>
+                  <c:numRef>
+                    <c:extLst>
+                      <c:ext uri="{02D57815-91ED-43cb-92C2-25804820EDAC}">
+                        <c15:formulaRef>
+                          <c15:sqref>Sheet1!$J$3:$J$15</c15:sqref>
+                        </c15:formulaRef>
+                      </c:ext>
+                    </c:extLst>
+                    <c:numCache>
+                      <c:formatCode>General</c:formatCode>
+                      <c:ptCount val="13"/>
+                      <c:pt idx="0">
+                        <c:v>71</c:v>
+                      </c:pt>
+                      <c:pt idx="1">
+                        <c:v>72.400000000000006</c:v>
+                      </c:pt>
+                      <c:pt idx="2">
+                        <c:v>79.8</c:v>
+                      </c:pt>
+                      <c:pt idx="3">
+                        <c:v>78.2</c:v>
+                      </c:pt>
+                      <c:pt idx="4">
+                        <c:v>86.4</c:v>
+                      </c:pt>
+                      <c:pt idx="5">
+                        <c:v>86.2</c:v>
+                      </c:pt>
+                      <c:pt idx="6">
+                        <c:v>84.6</c:v>
+                      </c:pt>
+                      <c:pt idx="7">
+                        <c:v>86.2</c:v>
+                      </c:pt>
+                      <c:pt idx="8">
+                        <c:v>87</c:v>
+                      </c:pt>
+                      <c:pt idx="9">
+                        <c:v>87.2</c:v>
+                      </c:pt>
+                      <c:pt idx="10">
+                        <c:v>89.6</c:v>
+                      </c:pt>
+                      <c:pt idx="11">
+                        <c:v>95.6</c:v>
+                      </c:pt>
+                      <c:pt idx="12">
+                        <c:v>97.2</c:v>
+                      </c:pt>
+                    </c:numCache>
+                  </c:numRef>
+                </c:yVal>
+                <c:smooth val="0"/>
+                <c:extLst>
+                  <c:ext xmlns:c16="http://schemas.microsoft.com/office/drawing/2014/chart" uri="{C3380CC4-5D6E-409C-BE32-E72D297353CC}">
+                    <c16:uniqueId val="{00000001-E893-4606-AE44-C0BB041A9686}"/>
+                  </c:ext>
+                </c:extLst>
+              </c15:ser>
+            </c15:filteredScatterSeries>
+          </c:ext>
+        </c:extLst>
       </c:scatterChart>
       <c:valAx>
-        <c:axId val="149603984"/>
+        <c:axId val="1483621264"/>
         <c:scaling>
           <c:orientation val="minMax"/>
+          <c:max val="100"/>
         </c:scaling>
         <c:delete val="0"/>
         <c:axPos val="b"/>
@@ -394,9 +547,10 @@
                   </a:defRPr>
                 </a:pPr>
                 <a:r>
-                  <a:rPr lang="en-GB"/>
-                  <a:t>Number of  Training Trials</a:t>
+                  <a:rPr lang="en-GB" baseline="0" dirty="0"/>
+                  <a:t>Training before testing</a:t>
                 </a:r>
+                <a:endParaRPr lang="en-GB" dirty="0"/>
               </a:p>
             </c:rich>
           </c:tx>
@@ -466,12 +620,13 @@
             <a:endParaRPr lang="en-US"/>
           </a:p>
         </c:txPr>
-        <c:crossAx val="233941728"/>
+        <c:crossAx val="1866947264"/>
         <c:crosses val="autoZero"/>
         <c:crossBetween val="midCat"/>
+        <c:majorUnit val="10"/>
       </c:valAx>
       <c:valAx>
-        <c:axId val="233941728"/>
+        <c:axId val="1866947264"/>
         <c:scaling>
           <c:orientation val="minMax"/>
           <c:max val="100"/>
@@ -512,16 +667,9 @@
                   </a:defRPr>
                 </a:pPr>
                 <a:r>
-                  <a:rPr lang="en-GB"/>
-                  <a:t>% </a:t>
+                  <a:rPr lang="en-GB" dirty="0"/>
+                  <a:t>Accuracy(%)</a:t>
                 </a:r>
-                <a:r>
-                  <a:rPr lang="en-GB" sz="1000" b="0" i="0" u="none" strike="noStrike" baseline="0">
-                    <a:effectLst/>
-                  </a:rPr>
-                  <a:t>Accuracy</a:t>
-                </a:r>
-                <a:endParaRPr lang="en-GB"/>
               </a:p>
             </c:rich>
           </c:tx>
@@ -591,13 +739,13 @@
             <a:endParaRPr lang="en-US"/>
           </a:p>
         </c:txPr>
-        <c:crossAx val="149603984"/>
+        <c:crossAx val="1483621264"/>
         <c:crosses val="autoZero"/>
         <c:crossBetween val="midCat"/>
       </c:valAx>
       <c:spPr>
         <a:noFill/>
-        <a:ln>
+        <a:ln w="25400">
           <a:noFill/>
         </a:ln>
         <a:effectLst/>
@@ -1931,7 +2079,7 @@
           <a:p>
             <a:fld id="{50BD0C05-49C5-4FB9-9ADA-2E499431F7E1}" type="datetimeFigureOut">
               <a:rPr lang="en-GB" smtClean="0"/>
-              <a:t>25/02/2021</a:t>
+              <a:t>19/04/2021</a:t>
             </a:fld>
             <a:endParaRPr lang="en-GB"/>
           </a:p>
@@ -2182,7 +2330,7 @@
           <a:p>
             <a:fld id="{50BD0C05-49C5-4FB9-9ADA-2E499431F7E1}" type="datetimeFigureOut">
               <a:rPr lang="en-GB" smtClean="0"/>
-              <a:t>25/02/2021</a:t>
+              <a:t>19/04/2021</a:t>
             </a:fld>
             <a:endParaRPr lang="en-GB"/>
           </a:p>
@@ -2496,7 +2644,7 @@
           <a:p>
             <a:fld id="{50BD0C05-49C5-4FB9-9ADA-2E499431F7E1}" type="datetimeFigureOut">
               <a:rPr lang="en-GB" smtClean="0"/>
-              <a:t>25/02/2021</a:t>
+              <a:t>19/04/2021</a:t>
             </a:fld>
             <a:endParaRPr lang="en-GB"/>
           </a:p>
@@ -2829,7 +2977,7 @@
           <a:p>
             <a:fld id="{50BD0C05-49C5-4FB9-9ADA-2E499431F7E1}" type="datetimeFigureOut">
               <a:rPr lang="en-GB" smtClean="0"/>
-              <a:t>25/02/2021</a:t>
+              <a:t>19/04/2021</a:t>
             </a:fld>
             <a:endParaRPr lang="en-GB"/>
           </a:p>
@@ -3143,7 +3291,7 @@
           <a:p>
             <a:fld id="{50BD0C05-49C5-4FB9-9ADA-2E499431F7E1}" type="datetimeFigureOut">
               <a:rPr lang="en-GB" smtClean="0"/>
-              <a:t>25/02/2021</a:t>
+              <a:t>19/04/2021</a:t>
             </a:fld>
             <a:endParaRPr lang="en-GB"/>
           </a:p>
@@ -3536,7 +3684,7 @@
           <a:p>
             <a:fld id="{50BD0C05-49C5-4FB9-9ADA-2E499431F7E1}" type="datetimeFigureOut">
               <a:rPr lang="en-GB" smtClean="0"/>
-              <a:t>25/02/2021</a:t>
+              <a:t>19/04/2021</a:t>
             </a:fld>
             <a:endParaRPr lang="en-GB"/>
           </a:p>
@@ -3706,7 +3854,7 @@
           <a:p>
             <a:fld id="{50BD0C05-49C5-4FB9-9ADA-2E499431F7E1}" type="datetimeFigureOut">
               <a:rPr lang="en-GB" smtClean="0"/>
-              <a:t>25/02/2021</a:t>
+              <a:t>19/04/2021</a:t>
             </a:fld>
             <a:endParaRPr lang="en-GB"/>
           </a:p>
@@ -3886,7 +4034,7 @@
           <a:p>
             <a:fld id="{50BD0C05-49C5-4FB9-9ADA-2E499431F7E1}" type="datetimeFigureOut">
               <a:rPr lang="en-GB" smtClean="0"/>
-              <a:t>25/02/2021</a:t>
+              <a:t>19/04/2021</a:t>
             </a:fld>
             <a:endParaRPr lang="en-GB"/>
           </a:p>
@@ -4056,7 +4204,7 @@
           <a:p>
             <a:fld id="{50BD0C05-49C5-4FB9-9ADA-2E499431F7E1}" type="datetimeFigureOut">
               <a:rPr lang="en-GB" smtClean="0"/>
-              <a:t>25/02/2021</a:t>
+              <a:t>19/04/2021</a:t>
             </a:fld>
             <a:endParaRPr lang="en-GB"/>
           </a:p>
@@ -4303,7 +4451,7 @@
           <a:p>
             <a:fld id="{50BD0C05-49C5-4FB9-9ADA-2E499431F7E1}" type="datetimeFigureOut">
               <a:rPr lang="en-GB" smtClean="0"/>
-              <a:t>25/02/2021</a:t>
+              <a:t>19/04/2021</a:t>
             </a:fld>
             <a:endParaRPr lang="en-GB"/>
           </a:p>
@@ -4535,7 +4683,7 @@
           <a:p>
             <a:fld id="{50BD0C05-49C5-4FB9-9ADA-2E499431F7E1}" type="datetimeFigureOut">
               <a:rPr lang="en-GB" smtClean="0"/>
-              <a:t>25/02/2021</a:t>
+              <a:t>19/04/2021</a:t>
             </a:fld>
             <a:endParaRPr lang="en-GB"/>
           </a:p>
@@ -4909,7 +5057,7 @@
           <a:p>
             <a:fld id="{50BD0C05-49C5-4FB9-9ADA-2E499431F7E1}" type="datetimeFigureOut">
               <a:rPr lang="en-GB" smtClean="0"/>
-              <a:t>25/02/2021</a:t>
+              <a:t>19/04/2021</a:t>
             </a:fld>
             <a:endParaRPr lang="en-GB"/>
           </a:p>
@@ -5032,7 +5180,7 @@
           <a:p>
             <a:fld id="{50BD0C05-49C5-4FB9-9ADA-2E499431F7E1}" type="datetimeFigureOut">
               <a:rPr lang="en-GB" smtClean="0"/>
-              <a:t>25/02/2021</a:t>
+              <a:t>19/04/2021</a:t>
             </a:fld>
             <a:endParaRPr lang="en-GB"/>
           </a:p>
@@ -5127,7 +5275,7 @@
           <a:p>
             <a:fld id="{50BD0C05-49C5-4FB9-9ADA-2E499431F7E1}" type="datetimeFigureOut">
               <a:rPr lang="en-GB" smtClean="0"/>
-              <a:t>25/02/2021</a:t>
+              <a:t>19/04/2021</a:t>
             </a:fld>
             <a:endParaRPr lang="en-GB"/>
           </a:p>
@@ -5382,7 +5530,7 @@
           <a:p>
             <a:fld id="{50BD0C05-49C5-4FB9-9ADA-2E499431F7E1}" type="datetimeFigureOut">
               <a:rPr lang="en-GB" smtClean="0"/>
-              <a:t>25/02/2021</a:t>
+              <a:t>19/04/2021</a:t>
             </a:fld>
             <a:endParaRPr lang="en-GB"/>
           </a:p>
@@ -5687,7 +5835,7 @@
           <a:p>
             <a:fld id="{50BD0C05-49C5-4FB9-9ADA-2E499431F7E1}" type="datetimeFigureOut">
               <a:rPr lang="en-GB" smtClean="0"/>
-              <a:t>25/02/2021</a:t>
+              <a:t>19/04/2021</a:t>
             </a:fld>
             <a:endParaRPr lang="en-GB"/>
           </a:p>
@@ -6389,7 +6537,7 @@
           <a:p>
             <a:fld id="{50BD0C05-49C5-4FB9-9ADA-2E499431F7E1}" type="datetimeFigureOut">
               <a:rPr lang="en-GB" smtClean="0"/>
-              <a:t>25/02/2021</a:t>
+              <a:t>19/04/2021</a:t>
             </a:fld>
             <a:endParaRPr lang="en-GB"/>
           </a:p>
@@ -7014,6 +7162,784 @@
 </p:sld>
 </file>
 
+<file path=ppt/slides/slide10.xml><?xml version="1.0" encoding="utf-8"?>
+<p:sld xmlns:a="http://schemas.openxmlformats.org/drawingml/2006/main" xmlns:r="http://schemas.openxmlformats.org/officeDocument/2006/relationships" xmlns:p="http://schemas.openxmlformats.org/presentationml/2006/main">
+  <p:cSld>
+    <p:spTree>
+      <p:nvGrpSpPr>
+        <p:cNvPr id="1" name=""/>
+        <p:cNvGrpSpPr/>
+        <p:nvPr/>
+      </p:nvGrpSpPr>
+      <p:grpSpPr>
+        <a:xfrm>
+          <a:off x="0" y="0"/>
+          <a:ext cx="0" cy="0"/>
+          <a:chOff x="0" y="0"/>
+          <a:chExt cx="0" cy="0"/>
+        </a:xfrm>
+      </p:grpSpPr>
+      <p:sp>
+        <p:nvSpPr>
+          <p:cNvPr id="2" name="Title 1">
+            <a:extLst>
+              <a:ext uri="{FF2B5EF4-FFF2-40B4-BE49-F238E27FC236}">
+                <a16:creationId xmlns:a16="http://schemas.microsoft.com/office/drawing/2014/main" id="{C433B9FF-3D76-4333-85DD-AAC6F51D9811}"/>
+              </a:ext>
+            </a:extLst>
+          </p:cNvPr>
+          <p:cNvSpPr>
+            <a:spLocks noGrp="1"/>
+          </p:cNvSpPr>
+          <p:nvPr>
+            <p:ph type="title"/>
+          </p:nvPr>
+        </p:nvSpPr>
+        <p:spPr/>
+        <p:txBody>
+          <a:bodyPr/>
+          <a:lstStyle/>
+          <a:p>
+            <a:r>
+              <a:rPr lang="en-GB" dirty="0"/>
+              <a:t>Editing Wardrobe</a:t>
+            </a:r>
+          </a:p>
+        </p:txBody>
+      </p:sp>
+      <p:sp>
+        <p:nvSpPr>
+          <p:cNvPr id="10" name="Content Placeholder 5">
+            <a:extLst>
+              <a:ext uri="{FF2B5EF4-FFF2-40B4-BE49-F238E27FC236}">
+                <a16:creationId xmlns:a16="http://schemas.microsoft.com/office/drawing/2014/main" id="{F4B02CDC-6086-4A38-94C1-C0B8D7D8F60F}"/>
+              </a:ext>
+            </a:extLst>
+          </p:cNvPr>
+          <p:cNvSpPr>
+            <a:spLocks noGrp="1"/>
+          </p:cNvSpPr>
+          <p:nvPr>
+            <p:ph idx="1"/>
+          </p:nvPr>
+        </p:nvSpPr>
+        <p:spPr>
+          <a:xfrm>
+            <a:off x="677334" y="1590675"/>
+            <a:ext cx="5869770" cy="4450687"/>
+          </a:xfrm>
+        </p:spPr>
+        <p:txBody>
+          <a:bodyPr>
+            <a:noAutofit/>
+          </a:bodyPr>
+          <a:lstStyle/>
+          <a:p>
+            <a:r>
+              <a:rPr lang="en-GB" sz="2400" dirty="0">
+                <a:latin typeface="Arial" panose="020B0604020202020204" pitchFamily="34" charset="0"/>
+                <a:cs typeface="Arial" panose="020B0604020202020204" pitchFamily="34" charset="0"/>
+              </a:rPr>
+              <a:t>Shows the information about each item in the wardrobe</a:t>
+            </a:r>
+          </a:p>
+          <a:p>
+            <a:endParaRPr lang="en-GB" sz="2400" dirty="0">
+              <a:latin typeface="Arial" panose="020B0604020202020204" pitchFamily="34" charset="0"/>
+              <a:cs typeface="Arial" panose="020B0604020202020204" pitchFamily="34" charset="0"/>
+            </a:endParaRPr>
+          </a:p>
+          <a:p>
+            <a:r>
+              <a:rPr lang="en-GB" sz="2400" dirty="0">
+                <a:latin typeface="Arial" panose="020B0604020202020204" pitchFamily="34" charset="0"/>
+                <a:cs typeface="Arial" panose="020B0604020202020204" pitchFamily="34" charset="0"/>
+              </a:rPr>
+              <a:t>The user can change the item attributes.</a:t>
+            </a:r>
+          </a:p>
+          <a:p>
+            <a:endParaRPr lang="en-GB" sz="2400" dirty="0">
+              <a:latin typeface="Arial" panose="020B0604020202020204" pitchFamily="34" charset="0"/>
+              <a:cs typeface="Arial" panose="020B0604020202020204" pitchFamily="34" charset="0"/>
+            </a:endParaRPr>
+          </a:p>
+          <a:p>
+            <a:r>
+              <a:rPr lang="en-GB" sz="2400" dirty="0">
+                <a:latin typeface="Arial" panose="020B0604020202020204" pitchFamily="34" charset="0"/>
+                <a:cs typeface="Arial" panose="020B0604020202020204" pitchFamily="34" charset="0"/>
+              </a:rPr>
+              <a:t>They can:</a:t>
+            </a:r>
+          </a:p>
+          <a:p>
+            <a:pPr lvl="1"/>
+            <a:r>
+              <a:rPr lang="en-GB" sz="2200" dirty="0">
+                <a:latin typeface="Arial" panose="020B0604020202020204" pitchFamily="34" charset="0"/>
+                <a:cs typeface="Arial" panose="020B0604020202020204" pitchFamily="34" charset="0"/>
+              </a:rPr>
+              <a:t>Change the Name</a:t>
+            </a:r>
+          </a:p>
+          <a:p>
+            <a:pPr lvl="1"/>
+            <a:r>
+              <a:rPr lang="en-GB" sz="2200" dirty="0">
+                <a:latin typeface="Arial" panose="020B0604020202020204" pitchFamily="34" charset="0"/>
+                <a:cs typeface="Arial" panose="020B0604020202020204" pitchFamily="34" charset="0"/>
+              </a:rPr>
+              <a:t>Chang the Type</a:t>
+            </a:r>
+          </a:p>
+          <a:p>
+            <a:pPr lvl="1"/>
+            <a:r>
+              <a:rPr lang="en-GB" sz="2200" dirty="0">
+                <a:latin typeface="Arial" panose="020B0604020202020204" pitchFamily="34" charset="0"/>
+                <a:cs typeface="Arial" panose="020B0604020202020204" pitchFamily="34" charset="0"/>
+              </a:rPr>
+              <a:t>Delete The item</a:t>
+            </a:r>
+          </a:p>
+          <a:p>
+            <a:endParaRPr lang="en-GB" sz="2000" dirty="0">
+              <a:latin typeface="Arial" panose="020B0604020202020204" pitchFamily="34" charset="0"/>
+              <a:cs typeface="Arial" panose="020B0604020202020204" pitchFamily="34" charset="0"/>
+            </a:endParaRPr>
+          </a:p>
+          <a:p>
+            <a:pPr lvl="1"/>
+            <a:endParaRPr lang="en-GB" sz="1800" dirty="0">
+              <a:latin typeface="Arial" panose="020B0604020202020204" pitchFamily="34" charset="0"/>
+              <a:cs typeface="Arial" panose="020B0604020202020204" pitchFamily="34" charset="0"/>
+            </a:endParaRPr>
+          </a:p>
+          <a:p>
+            <a:pPr marL="457200" lvl="1" indent="0">
+              <a:buNone/>
+            </a:pPr>
+            <a:endParaRPr lang="en-GB" sz="1800" dirty="0">
+              <a:latin typeface="Arial" panose="020B0604020202020204" pitchFamily="34" charset="0"/>
+              <a:cs typeface="Arial" panose="020B0604020202020204" pitchFamily="34" charset="0"/>
+            </a:endParaRPr>
+          </a:p>
+        </p:txBody>
+      </p:sp>
+      <p:pic>
+        <p:nvPicPr>
+          <p:cNvPr id="4" name="Picture 3" descr="Graphical user interface&#10;&#10;Description automatically generated">
+            <a:extLst>
+              <a:ext uri="{FF2B5EF4-FFF2-40B4-BE49-F238E27FC236}">
+                <a16:creationId xmlns:a16="http://schemas.microsoft.com/office/drawing/2014/main" id="{D6196635-DE8F-4362-ADB5-D4B5FDEA1284}"/>
+              </a:ext>
+            </a:extLst>
+          </p:cNvPr>
+          <p:cNvPicPr>
+            <a:picLocks noChangeAspect="1"/>
+          </p:cNvPicPr>
+          <p:nvPr/>
+        </p:nvPicPr>
+        <p:blipFill rotWithShape="1">
+          <a:blip r:embed="rId2">
+            <a:extLst>
+              <a:ext uri="{28A0092B-C50C-407E-A947-70E740481C1C}">
+                <a14:useLocalDpi xmlns:a14="http://schemas.microsoft.com/office/drawing/2010/main" val="0"/>
+              </a:ext>
+            </a:extLst>
+          </a:blip>
+          <a:srcRect t="8300"/>
+          <a:stretch/>
+        </p:blipFill>
+        <p:spPr>
+          <a:xfrm>
+            <a:off x="6880860" y="990654"/>
+            <a:ext cx="2393142" cy="4876692"/>
+          </a:xfrm>
+          <a:prstGeom prst="rect">
+            <a:avLst/>
+          </a:prstGeom>
+        </p:spPr>
+      </p:pic>
+    </p:spTree>
+    <p:extLst>
+      <p:ext uri="{BB962C8B-B14F-4D97-AF65-F5344CB8AC3E}">
+        <p14:creationId xmlns:p14="http://schemas.microsoft.com/office/powerpoint/2010/main" val="1909078202"/>
+      </p:ext>
+    </p:extLst>
+  </p:cSld>
+  <p:clrMapOvr>
+    <a:masterClrMapping/>
+  </p:clrMapOvr>
+</p:sld>
+</file>
+
+<file path=ppt/slides/slide11.xml><?xml version="1.0" encoding="utf-8"?>
+<p:sld xmlns:a="http://schemas.openxmlformats.org/drawingml/2006/main" xmlns:r="http://schemas.openxmlformats.org/officeDocument/2006/relationships" xmlns:p="http://schemas.openxmlformats.org/presentationml/2006/main">
+  <p:cSld>
+    <p:spTree>
+      <p:nvGrpSpPr>
+        <p:cNvPr id="1" name=""/>
+        <p:cNvGrpSpPr/>
+        <p:nvPr/>
+      </p:nvGrpSpPr>
+      <p:grpSpPr>
+        <a:xfrm>
+          <a:off x="0" y="0"/>
+          <a:ext cx="0" cy="0"/>
+          <a:chOff x="0" y="0"/>
+          <a:chExt cx="0" cy="0"/>
+        </a:xfrm>
+      </p:grpSpPr>
+      <p:sp>
+        <p:nvSpPr>
+          <p:cNvPr id="2" name="Title 1">
+            <a:extLst>
+              <a:ext uri="{FF2B5EF4-FFF2-40B4-BE49-F238E27FC236}">
+                <a16:creationId xmlns:a16="http://schemas.microsoft.com/office/drawing/2014/main" id="{C433B9FF-3D76-4333-85DD-AAC6F51D9811}"/>
+              </a:ext>
+            </a:extLst>
+          </p:cNvPr>
+          <p:cNvSpPr>
+            <a:spLocks noGrp="1"/>
+          </p:cNvSpPr>
+          <p:nvPr>
+            <p:ph type="title"/>
+          </p:nvPr>
+        </p:nvSpPr>
+        <p:spPr/>
+        <p:txBody>
+          <a:bodyPr/>
+          <a:lstStyle/>
+          <a:p>
+            <a:r>
+              <a:rPr lang="en-GB" dirty="0"/>
+              <a:t>FUNCTIONING APP</a:t>
+            </a:r>
+          </a:p>
+        </p:txBody>
+      </p:sp>
+      <p:sp>
+        <p:nvSpPr>
+          <p:cNvPr id="10" name="Content Placeholder 5">
+            <a:extLst>
+              <a:ext uri="{FF2B5EF4-FFF2-40B4-BE49-F238E27FC236}">
+                <a16:creationId xmlns:a16="http://schemas.microsoft.com/office/drawing/2014/main" id="{F4B02CDC-6086-4A38-94C1-C0B8D7D8F60F}"/>
+              </a:ext>
+            </a:extLst>
+          </p:cNvPr>
+          <p:cNvSpPr>
+            <a:spLocks noGrp="1"/>
+          </p:cNvSpPr>
+          <p:nvPr>
+            <p:ph idx="1"/>
+          </p:nvPr>
+        </p:nvSpPr>
+        <p:spPr>
+          <a:xfrm>
+            <a:off x="677334" y="1590675"/>
+            <a:ext cx="5869770" cy="4450687"/>
+          </a:xfrm>
+        </p:spPr>
+        <p:txBody>
+          <a:bodyPr>
+            <a:noAutofit/>
+          </a:bodyPr>
+          <a:lstStyle/>
+          <a:p>
+            <a:r>
+              <a:rPr lang="en-GB" sz="2400" dirty="0">
+                <a:latin typeface="Arial" panose="020B0604020202020204" pitchFamily="34" charset="0"/>
+                <a:cs typeface="Arial" panose="020B0604020202020204" pitchFamily="34" charset="0"/>
+              </a:rPr>
+              <a:t>INSERT SLIDE WITH VIDEO DEMONSTACTION OF THE APP RUNNING </a:t>
+            </a:r>
+            <a:endParaRPr lang="en-GB" sz="2200" dirty="0">
+              <a:latin typeface="Arial" panose="020B0604020202020204" pitchFamily="34" charset="0"/>
+              <a:cs typeface="Arial" panose="020B0604020202020204" pitchFamily="34" charset="0"/>
+            </a:endParaRPr>
+          </a:p>
+          <a:p>
+            <a:endParaRPr lang="en-GB" sz="2000" dirty="0">
+              <a:latin typeface="Arial" panose="020B0604020202020204" pitchFamily="34" charset="0"/>
+              <a:cs typeface="Arial" panose="020B0604020202020204" pitchFamily="34" charset="0"/>
+            </a:endParaRPr>
+          </a:p>
+          <a:p>
+            <a:pPr lvl="1"/>
+            <a:endParaRPr lang="en-GB" sz="1800" dirty="0">
+              <a:latin typeface="Arial" panose="020B0604020202020204" pitchFamily="34" charset="0"/>
+              <a:cs typeface="Arial" panose="020B0604020202020204" pitchFamily="34" charset="0"/>
+            </a:endParaRPr>
+          </a:p>
+          <a:p>
+            <a:pPr marL="457200" lvl="1" indent="0">
+              <a:buNone/>
+            </a:pPr>
+            <a:endParaRPr lang="en-GB" sz="1800" dirty="0">
+              <a:latin typeface="Arial" panose="020B0604020202020204" pitchFamily="34" charset="0"/>
+              <a:cs typeface="Arial" panose="020B0604020202020204" pitchFamily="34" charset="0"/>
+            </a:endParaRPr>
+          </a:p>
+        </p:txBody>
+      </p:sp>
+    </p:spTree>
+    <p:extLst>
+      <p:ext uri="{BB962C8B-B14F-4D97-AF65-F5344CB8AC3E}">
+        <p14:creationId xmlns:p14="http://schemas.microsoft.com/office/powerpoint/2010/main" val="75410791"/>
+      </p:ext>
+    </p:extLst>
+  </p:cSld>
+  <p:clrMapOvr>
+    <a:masterClrMapping/>
+  </p:clrMapOvr>
+</p:sld>
+</file>
+
+<file path=ppt/slides/slide12.xml><?xml version="1.0" encoding="utf-8"?>
+<p:sld xmlns:a="http://schemas.openxmlformats.org/drawingml/2006/main" xmlns:r="http://schemas.openxmlformats.org/officeDocument/2006/relationships" xmlns:p="http://schemas.openxmlformats.org/presentationml/2006/main">
+  <p:cSld>
+    <p:spTree>
+      <p:nvGrpSpPr>
+        <p:cNvPr id="1" name=""/>
+        <p:cNvGrpSpPr/>
+        <p:nvPr/>
+      </p:nvGrpSpPr>
+      <p:grpSpPr>
+        <a:xfrm>
+          <a:off x="0" y="0"/>
+          <a:ext cx="0" cy="0"/>
+          <a:chOff x="0" y="0"/>
+          <a:chExt cx="0" cy="0"/>
+        </a:xfrm>
+      </p:grpSpPr>
+      <p:sp>
+        <p:nvSpPr>
+          <p:cNvPr id="2" name="Title 1">
+            <a:extLst>
+              <a:ext uri="{FF2B5EF4-FFF2-40B4-BE49-F238E27FC236}">
+                <a16:creationId xmlns:a16="http://schemas.microsoft.com/office/drawing/2014/main" id="{046C8CA5-A2C3-4E80-9E68-CE4AFF6C5D76}"/>
+              </a:ext>
+            </a:extLst>
+          </p:cNvPr>
+          <p:cNvSpPr>
+            <a:spLocks noGrp="1"/>
+          </p:cNvSpPr>
+          <p:nvPr>
+            <p:ph type="title"/>
+          </p:nvPr>
+        </p:nvSpPr>
+        <p:spPr/>
+        <p:txBody>
+          <a:bodyPr/>
+          <a:lstStyle/>
+          <a:p>
+            <a:r>
+              <a:rPr lang="en-GB" dirty="0"/>
+              <a:t>Testing the Neural Network</a:t>
+            </a:r>
+          </a:p>
+        </p:txBody>
+      </p:sp>
+      <p:sp>
+        <p:nvSpPr>
+          <p:cNvPr id="5" name="Content Placeholder 5">
+            <a:extLst>
+              <a:ext uri="{FF2B5EF4-FFF2-40B4-BE49-F238E27FC236}">
+                <a16:creationId xmlns:a16="http://schemas.microsoft.com/office/drawing/2014/main" id="{F062B9A2-49D8-4F29-833F-9AD99EF31AB6}"/>
+              </a:ext>
+            </a:extLst>
+          </p:cNvPr>
+          <p:cNvSpPr>
+            <a:spLocks noGrp="1"/>
+          </p:cNvSpPr>
+          <p:nvPr>
+            <p:ph idx="1"/>
+          </p:nvPr>
+        </p:nvSpPr>
+        <p:spPr>
+          <a:xfrm>
+            <a:off x="677334" y="1638300"/>
+            <a:ext cx="8958156" cy="4610099"/>
+          </a:xfrm>
+        </p:spPr>
+        <p:txBody>
+          <a:bodyPr>
+            <a:normAutofit/>
+          </a:bodyPr>
+          <a:lstStyle/>
+          <a:p>
+            <a:r>
+              <a:rPr lang="en-GB" sz="2400" dirty="0">
+                <a:latin typeface="Arial" panose="020B0604020202020204" pitchFamily="34" charset="0"/>
+                <a:cs typeface="Arial" panose="020B0604020202020204" pitchFamily="34" charset="0"/>
+              </a:rPr>
+              <a:t>The goal of the app is to improve the users satisfaction through positively outfit predictions</a:t>
+            </a:r>
+          </a:p>
+          <a:p>
+            <a:endParaRPr lang="en-GB" sz="2400" dirty="0">
+              <a:latin typeface="Arial" panose="020B0604020202020204" pitchFamily="34" charset="0"/>
+              <a:cs typeface="Arial" panose="020B0604020202020204" pitchFamily="34" charset="0"/>
+            </a:endParaRPr>
+          </a:p>
+          <a:p>
+            <a:r>
+              <a:rPr lang="en-GB" sz="2400" dirty="0">
+                <a:latin typeface="Arial" panose="020B0604020202020204" pitchFamily="34" charset="0"/>
+                <a:cs typeface="Arial" panose="020B0604020202020204" pitchFamily="34" charset="0"/>
+              </a:rPr>
+              <a:t>Success is measured by the percentage of outfits which the user prefers </a:t>
+            </a:r>
+          </a:p>
+          <a:p>
+            <a:endParaRPr lang="en-GB" sz="2400" dirty="0">
+              <a:latin typeface="Arial" panose="020B0604020202020204" pitchFamily="34" charset="0"/>
+              <a:cs typeface="Arial" panose="020B0604020202020204" pitchFamily="34" charset="0"/>
+            </a:endParaRPr>
+          </a:p>
+          <a:p>
+            <a:r>
+              <a:rPr lang="en-GB" sz="2400" dirty="0">
+                <a:latin typeface="Arial" panose="020B0604020202020204" pitchFamily="34" charset="0"/>
+                <a:cs typeface="Arial" panose="020B0604020202020204" pitchFamily="34" charset="0"/>
+              </a:rPr>
+              <a:t>The Neural Network was tested against a personal profile’s wardrobe</a:t>
+            </a:r>
+          </a:p>
+        </p:txBody>
+      </p:sp>
+    </p:spTree>
+    <p:extLst>
+      <p:ext uri="{BB962C8B-B14F-4D97-AF65-F5344CB8AC3E}">
+        <p14:creationId xmlns:p14="http://schemas.microsoft.com/office/powerpoint/2010/main" val="1318959667"/>
+      </p:ext>
+    </p:extLst>
+  </p:cSld>
+  <p:clrMapOvr>
+    <a:masterClrMapping/>
+  </p:clrMapOvr>
+</p:sld>
+</file>
+
+<file path=ppt/slides/slide13.xml><?xml version="1.0" encoding="utf-8"?>
+<p:sld xmlns:a="http://schemas.openxmlformats.org/drawingml/2006/main" xmlns:r="http://schemas.openxmlformats.org/officeDocument/2006/relationships" xmlns:p="http://schemas.openxmlformats.org/presentationml/2006/main">
+  <p:cSld>
+    <p:spTree>
+      <p:nvGrpSpPr>
+        <p:cNvPr id="1" name=""/>
+        <p:cNvGrpSpPr/>
+        <p:nvPr/>
+      </p:nvGrpSpPr>
+      <p:grpSpPr>
+        <a:xfrm>
+          <a:off x="0" y="0"/>
+          <a:ext cx="0" cy="0"/>
+          <a:chOff x="0" y="0"/>
+          <a:chExt cx="0" cy="0"/>
+        </a:xfrm>
+      </p:grpSpPr>
+      <p:sp>
+        <p:nvSpPr>
+          <p:cNvPr id="2" name="Title 1">
+            <a:extLst>
+              <a:ext uri="{FF2B5EF4-FFF2-40B4-BE49-F238E27FC236}">
+                <a16:creationId xmlns:a16="http://schemas.microsoft.com/office/drawing/2014/main" id="{046C8CA5-A2C3-4E80-9E68-CE4AFF6C5D76}"/>
+              </a:ext>
+            </a:extLst>
+          </p:cNvPr>
+          <p:cNvSpPr>
+            <a:spLocks noGrp="1"/>
+          </p:cNvSpPr>
+          <p:nvPr>
+            <p:ph type="title"/>
+          </p:nvPr>
+        </p:nvSpPr>
+        <p:spPr/>
+        <p:txBody>
+          <a:bodyPr/>
+          <a:lstStyle/>
+          <a:p>
+            <a:r>
+              <a:rPr lang="en-GB" dirty="0"/>
+              <a:t>Testing the Neural Network</a:t>
+            </a:r>
+          </a:p>
+        </p:txBody>
+      </p:sp>
+      <p:sp>
+        <p:nvSpPr>
+          <p:cNvPr id="6" name="TextBox 5">
+            <a:extLst>
+              <a:ext uri="{FF2B5EF4-FFF2-40B4-BE49-F238E27FC236}">
+                <a16:creationId xmlns:a16="http://schemas.microsoft.com/office/drawing/2014/main" id="{0238EA0D-7698-43CC-A641-2C1B0A7E725D}"/>
+              </a:ext>
+            </a:extLst>
+          </p:cNvPr>
+          <p:cNvSpPr txBox="1"/>
+          <p:nvPr/>
+        </p:nvSpPr>
+        <p:spPr>
+          <a:xfrm>
+            <a:off x="3311428" y="5411462"/>
+            <a:ext cx="5882640" cy="369332"/>
+          </a:xfrm>
+          <a:prstGeom prst="rect">
+            <a:avLst/>
+          </a:prstGeom>
+          <a:noFill/>
+        </p:spPr>
+        <p:txBody>
+          <a:bodyPr wrap="square" rtlCol="0">
+            <a:spAutoFit/>
+          </a:bodyPr>
+          <a:lstStyle/>
+          <a:p>
+            <a:r>
+              <a:rPr lang="en-GB" b="1" dirty="0"/>
+              <a:t>Graph of results from testing the Accuracy of the NN</a:t>
+            </a:r>
+          </a:p>
+        </p:txBody>
+      </p:sp>
+      <p:graphicFrame>
+        <p:nvGraphicFramePr>
+          <p:cNvPr id="7" name="Chart 6">
+            <a:extLst>
+              <a:ext uri="{FF2B5EF4-FFF2-40B4-BE49-F238E27FC236}">
+                <a16:creationId xmlns:a16="http://schemas.microsoft.com/office/drawing/2014/main" id="{AFFEBE0D-63E6-4711-8B2A-4E1F35E8B98B}"/>
+              </a:ext>
+            </a:extLst>
+          </p:cNvPr>
+          <p:cNvGraphicFramePr>
+            <a:graphicFrameLocks/>
+          </p:cNvGraphicFramePr>
+          <p:nvPr>
+            <p:extLst>
+              <p:ext uri="{D42A27DB-BD31-4B8C-83A1-F6EECF244321}">
+                <p14:modId xmlns:p14="http://schemas.microsoft.com/office/powerpoint/2010/main" val="1938370810"/>
+              </p:ext>
+            </p:extLst>
+          </p:nvPr>
+        </p:nvGraphicFramePr>
+        <p:xfrm>
+          <a:off x="2997932" y="1771571"/>
+          <a:ext cx="6196136" cy="3314857"/>
+        </p:xfrm>
+        <a:graphic>
+          <a:graphicData uri="http://schemas.openxmlformats.org/drawingml/2006/chart">
+            <c:chart xmlns:c="http://schemas.openxmlformats.org/drawingml/2006/chart" xmlns:r="http://schemas.openxmlformats.org/officeDocument/2006/relationships" r:id="rId2"/>
+          </a:graphicData>
+        </a:graphic>
+      </p:graphicFrame>
+      <p:sp>
+        <p:nvSpPr>
+          <p:cNvPr id="9" name="Content Placeholder 5">
+            <a:extLst>
+              <a:ext uri="{FF2B5EF4-FFF2-40B4-BE49-F238E27FC236}">
+                <a16:creationId xmlns:a16="http://schemas.microsoft.com/office/drawing/2014/main" id="{1517605C-1B7B-4910-959C-250AB3C70D17}"/>
+              </a:ext>
+            </a:extLst>
+          </p:cNvPr>
+          <p:cNvSpPr>
+            <a:spLocks noGrp="1"/>
+          </p:cNvSpPr>
+          <p:nvPr>
+            <p:ph idx="1"/>
+          </p:nvPr>
+        </p:nvSpPr>
+        <p:spPr>
+          <a:xfrm>
+            <a:off x="677334" y="2247901"/>
+            <a:ext cx="2634094" cy="4610099"/>
+          </a:xfrm>
+        </p:spPr>
+        <p:txBody>
+          <a:bodyPr>
+            <a:normAutofit/>
+          </a:bodyPr>
+          <a:lstStyle/>
+          <a:p>
+            <a:r>
+              <a:rPr lang="en-GB" sz="2000" dirty="0">
+                <a:latin typeface="Arial" panose="020B0604020202020204" pitchFamily="34" charset="0"/>
+                <a:cs typeface="Arial" panose="020B0604020202020204" pitchFamily="34" charset="0"/>
+              </a:rPr>
+              <a:t>The Results show an upward trend in accuracy </a:t>
+            </a:r>
+          </a:p>
+          <a:p>
+            <a:endParaRPr lang="en-GB" sz="2000" dirty="0">
+              <a:latin typeface="Arial" panose="020B0604020202020204" pitchFamily="34" charset="0"/>
+              <a:cs typeface="Arial" panose="020B0604020202020204" pitchFamily="34" charset="0"/>
+            </a:endParaRPr>
+          </a:p>
+          <a:p>
+            <a:r>
+              <a:rPr lang="en-GB" sz="2000" dirty="0">
+                <a:latin typeface="Arial" panose="020B0604020202020204" pitchFamily="34" charset="0"/>
+                <a:cs typeface="Arial" panose="020B0604020202020204" pitchFamily="34" charset="0"/>
+              </a:rPr>
+              <a:t>This indicated the Neural Net is learning the tastes</a:t>
+            </a:r>
+          </a:p>
+        </p:txBody>
+      </p:sp>
+    </p:spTree>
+    <p:extLst>
+      <p:ext uri="{BB962C8B-B14F-4D97-AF65-F5344CB8AC3E}">
+        <p14:creationId xmlns:p14="http://schemas.microsoft.com/office/powerpoint/2010/main" val="687828159"/>
+      </p:ext>
+    </p:extLst>
+  </p:cSld>
+  <p:clrMapOvr>
+    <a:masterClrMapping/>
+  </p:clrMapOvr>
+</p:sld>
+</file>
+
+<file path=ppt/slides/slide14.xml><?xml version="1.0" encoding="utf-8"?>
+<p:sld xmlns:a="http://schemas.openxmlformats.org/drawingml/2006/main" xmlns:r="http://schemas.openxmlformats.org/officeDocument/2006/relationships" xmlns:p="http://schemas.openxmlformats.org/presentationml/2006/main">
+  <p:cSld>
+    <p:spTree>
+      <p:nvGrpSpPr>
+        <p:cNvPr id="1" name=""/>
+        <p:cNvGrpSpPr/>
+        <p:nvPr/>
+      </p:nvGrpSpPr>
+      <p:grpSpPr>
+        <a:xfrm>
+          <a:off x="0" y="0"/>
+          <a:ext cx="0" cy="0"/>
+          <a:chOff x="0" y="0"/>
+          <a:chExt cx="0" cy="0"/>
+        </a:xfrm>
+      </p:grpSpPr>
+      <p:sp>
+        <p:nvSpPr>
+          <p:cNvPr id="2" name="Title 1">
+            <a:extLst>
+              <a:ext uri="{FF2B5EF4-FFF2-40B4-BE49-F238E27FC236}">
+                <a16:creationId xmlns:a16="http://schemas.microsoft.com/office/drawing/2014/main" id="{C433B9FF-3D76-4333-85DD-AAC6F51D9811}"/>
+              </a:ext>
+            </a:extLst>
+          </p:cNvPr>
+          <p:cNvSpPr>
+            <a:spLocks noGrp="1"/>
+          </p:cNvSpPr>
+          <p:nvPr>
+            <p:ph type="title"/>
+          </p:nvPr>
+        </p:nvSpPr>
+        <p:spPr/>
+        <p:txBody>
+          <a:bodyPr/>
+          <a:lstStyle/>
+          <a:p>
+            <a:r>
+              <a:rPr lang="en-GB" dirty="0"/>
+              <a:t>Conclusion</a:t>
+            </a:r>
+          </a:p>
+        </p:txBody>
+      </p:sp>
+      <p:sp>
+        <p:nvSpPr>
+          <p:cNvPr id="11" name="Content Placeholder 5">
+            <a:extLst>
+              <a:ext uri="{FF2B5EF4-FFF2-40B4-BE49-F238E27FC236}">
+                <a16:creationId xmlns:a16="http://schemas.microsoft.com/office/drawing/2014/main" id="{0E919CEE-E04A-47F5-9AD3-C83CB4B76BB7}"/>
+              </a:ext>
+            </a:extLst>
+          </p:cNvPr>
+          <p:cNvSpPr>
+            <a:spLocks noGrp="1"/>
+          </p:cNvSpPr>
+          <p:nvPr>
+            <p:ph idx="1"/>
+          </p:nvPr>
+        </p:nvSpPr>
+        <p:spPr>
+          <a:xfrm>
+            <a:off x="677334" y="1638300"/>
+            <a:ext cx="8958156" cy="4610099"/>
+          </a:xfrm>
+        </p:spPr>
+        <p:txBody>
+          <a:bodyPr>
+            <a:normAutofit/>
+          </a:bodyPr>
+          <a:lstStyle/>
+          <a:p>
+            <a:r>
+              <a:rPr lang="en-GB" sz="2400" dirty="0">
+                <a:latin typeface="Arial" panose="020B0604020202020204" pitchFamily="34" charset="0"/>
+                <a:cs typeface="Arial" panose="020B0604020202020204" pitchFamily="34" charset="0"/>
+              </a:rPr>
+              <a:t>The app was able to learn the tastes of the user over time</a:t>
+            </a:r>
+          </a:p>
+          <a:p>
+            <a:endParaRPr lang="en-GB" sz="2400" dirty="0">
+              <a:latin typeface="Arial" panose="020B0604020202020204" pitchFamily="34" charset="0"/>
+              <a:cs typeface="Arial" panose="020B0604020202020204" pitchFamily="34" charset="0"/>
+            </a:endParaRPr>
+          </a:p>
+          <a:p>
+            <a:r>
+              <a:rPr lang="en-GB" sz="2400" dirty="0">
+                <a:latin typeface="Arial" panose="020B0604020202020204" pitchFamily="34" charset="0"/>
+                <a:cs typeface="Arial" panose="020B0604020202020204" pitchFamily="34" charset="0"/>
+              </a:rPr>
+              <a:t>A virtual wardrobe was able to produce recommendations to the user</a:t>
+            </a:r>
+          </a:p>
+          <a:p>
+            <a:endParaRPr lang="en-GB" sz="2400" dirty="0">
+              <a:latin typeface="Arial" panose="020B0604020202020204" pitchFamily="34" charset="0"/>
+              <a:cs typeface="Arial" panose="020B0604020202020204" pitchFamily="34" charset="0"/>
+            </a:endParaRPr>
+          </a:p>
+          <a:p>
+            <a:r>
+              <a:rPr lang="en-GB" sz="2400" dirty="0">
+                <a:latin typeface="Arial" panose="020B0604020202020204" pitchFamily="34" charset="0"/>
+                <a:cs typeface="Arial" panose="020B0604020202020204" pitchFamily="34" charset="0"/>
+              </a:rPr>
+              <a:t>This can be expanded to include more types of clothes</a:t>
+            </a:r>
+          </a:p>
+          <a:p>
+            <a:endParaRPr lang="en-GB" sz="2400" dirty="0">
+              <a:latin typeface="Arial" panose="020B0604020202020204" pitchFamily="34" charset="0"/>
+              <a:cs typeface="Arial" panose="020B0604020202020204" pitchFamily="34" charset="0"/>
+            </a:endParaRPr>
+          </a:p>
+          <a:p>
+            <a:r>
+              <a:rPr lang="en-GB" sz="2400" dirty="0">
+                <a:latin typeface="Arial" panose="020B0604020202020204" pitchFamily="34" charset="0"/>
+                <a:cs typeface="Arial" panose="020B0604020202020204" pitchFamily="34" charset="0"/>
+              </a:rPr>
+              <a:t>More positive aspects from similar apps can be implemented</a:t>
+            </a:r>
+          </a:p>
+        </p:txBody>
+      </p:sp>
+    </p:spTree>
+    <p:extLst>
+      <p:ext uri="{BB962C8B-B14F-4D97-AF65-F5344CB8AC3E}">
+        <p14:creationId xmlns:p14="http://schemas.microsoft.com/office/powerpoint/2010/main" val="2664411756"/>
+      </p:ext>
+    </p:extLst>
+  </p:cSld>
+  <p:clrMapOvr>
+    <a:masterClrMapping/>
+  </p:clrMapOvr>
+</p:sld>
+</file>
+
 <file path=ppt/slides/slide2.xml><?xml version="1.0" encoding="utf-8"?>
 <p:sld xmlns:a="http://schemas.openxmlformats.org/drawingml/2006/main" xmlns:r="http://schemas.openxmlformats.org/officeDocument/2006/relationships" xmlns:p="http://schemas.openxmlformats.org/presentationml/2006/main">
   <p:cSld>
@@ -7087,106 +8013,51 @@
           </a:xfrm>
         </p:spPr>
         <p:txBody>
-          <a:bodyPr/>
-          <a:lstStyle/>
-          <a:p>
-            <a:r>
-              <a:rPr lang="en-GB" dirty="0"/>
-              <a:t>The average person can find it difficult to </a:t>
-            </a:r>
-          </a:p>
-          <a:p>
-            <a:pPr marL="0" indent="0">
-              <a:buNone/>
-            </a:pPr>
-            <a:r>
-              <a:rPr lang="en-GB" dirty="0"/>
-              <a:t>choose what to wear.</a:t>
-            </a:r>
-          </a:p>
-          <a:p>
-            <a:endParaRPr lang="en-GB" dirty="0"/>
-          </a:p>
-          <a:p>
-            <a:r>
-              <a:rPr lang="en-GB" dirty="0"/>
-              <a:t>Today we are often overwhelmed by the </a:t>
-            </a:r>
-          </a:p>
-          <a:p>
-            <a:pPr marL="0" indent="0">
-              <a:buNone/>
-            </a:pPr>
-            <a:r>
-              <a:rPr lang="en-GB" dirty="0"/>
-              <a:t>amount of choice.</a:t>
-            </a:r>
-          </a:p>
-          <a:p>
-            <a:pPr marL="0" indent="0">
-              <a:buNone/>
-            </a:pPr>
-            <a:endParaRPr lang="en-GB" dirty="0"/>
-          </a:p>
-          <a:p>
-            <a:r>
-              <a:rPr lang="en-GB" dirty="0"/>
-              <a:t>Modern technology can be used to streamline </a:t>
-            </a:r>
-          </a:p>
-          <a:p>
-            <a:pPr marL="0" indent="0">
-              <a:buNone/>
-            </a:pPr>
-            <a:r>
-              <a:rPr lang="en-GB" dirty="0"/>
-              <a:t>this process.</a:t>
-            </a:r>
-          </a:p>
-          <a:p>
-            <a:pPr marL="0" indent="0">
-              <a:buNone/>
-            </a:pPr>
-            <a:endParaRPr lang="en-GB" dirty="0"/>
-          </a:p>
-        </p:txBody>
-      </p:sp>
-      <p:pic>
-        <p:nvPicPr>
-          <p:cNvPr id="5" name="Picture 4">
-            <a:extLst>
-              <a:ext uri="{FF2B5EF4-FFF2-40B4-BE49-F238E27FC236}">
-                <a16:creationId xmlns:a16="http://schemas.microsoft.com/office/drawing/2014/main" id="{C5CE3B2D-A96B-4839-A60B-584B61D7CA2E}"/>
-              </a:ext>
-            </a:extLst>
-          </p:cNvPr>
-          <p:cNvPicPr>
-            <a:picLocks noChangeAspect="1"/>
-          </p:cNvPicPr>
-          <p:nvPr/>
-        </p:nvPicPr>
-        <p:blipFill>
-          <a:blip r:embed="rId2">
-            <a:extLst>
-              <a:ext uri="{28A0092B-C50C-407E-A947-70E740481C1C}">
-                <a14:useLocalDpi xmlns:a14="http://schemas.microsoft.com/office/drawing/2010/main" val="0"/>
-              </a:ext>
-            </a:extLst>
-          </a:blip>
-          <a:stretch>
-            <a:fillRect/>
-          </a:stretch>
-        </p:blipFill>
-        <p:spPr>
-          <a:xfrm>
-            <a:off x="5829973" y="2091434"/>
-            <a:ext cx="3850475" cy="2675131"/>
-          </a:xfrm>
-          <a:prstGeom prst="rect">
-            <a:avLst/>
-          </a:prstGeom>
-        </p:spPr>
-      </p:pic>
+          <a:bodyPr>
+            <a:normAutofit/>
+          </a:bodyPr>
+          <a:lstStyle/>
+          <a:p>
+            <a:r>
+              <a:rPr lang="en-GB" sz="2400" dirty="0">
+                <a:latin typeface="Arial" panose="020B0604020202020204" pitchFamily="34" charset="0"/>
+                <a:cs typeface="Arial" panose="020B0604020202020204" pitchFamily="34" charset="0"/>
+              </a:rPr>
+              <a:t>In the modern day, we are confronted by lots decisions which causes decision fatigue</a:t>
+            </a:r>
+          </a:p>
+          <a:p>
+            <a:endParaRPr lang="en-GB" sz="2400" dirty="0">
+              <a:latin typeface="Arial" panose="020B0604020202020204" pitchFamily="34" charset="0"/>
+              <a:cs typeface="Arial" panose="020B0604020202020204" pitchFamily="34" charset="0"/>
+            </a:endParaRPr>
+          </a:p>
+          <a:p>
+            <a:r>
+              <a:rPr lang="en-GB" sz="2400" dirty="0">
+                <a:latin typeface="Arial" panose="020B0604020202020204" pitchFamily="34" charset="0"/>
+                <a:cs typeface="Arial" panose="020B0604020202020204" pitchFamily="34" charset="0"/>
+              </a:rPr>
+              <a:t>Barack Obama once said “I don't want to make decisions about what I'm eating or wearing. Because I have too many other decisions to make.”  </a:t>
+            </a:r>
+          </a:p>
+          <a:p>
+            <a:endParaRPr lang="en-GB" sz="2400" dirty="0">
+              <a:latin typeface="Arial" panose="020B0604020202020204" pitchFamily="34" charset="0"/>
+              <a:cs typeface="Arial" panose="020B0604020202020204" pitchFamily="34" charset="0"/>
+            </a:endParaRPr>
+          </a:p>
+          <a:p>
+            <a:r>
+              <a:rPr lang="en-GB" sz="2400" dirty="0">
+                <a:latin typeface="Arial" panose="020B0604020202020204" pitchFamily="34" charset="0"/>
+                <a:cs typeface="Arial" panose="020B0604020202020204" pitchFamily="34" charset="0"/>
+              </a:rPr>
+              <a:t>How can this everyday decision be streamlined and automated for the busy modern day?</a:t>
+            </a:r>
+          </a:p>
+        </p:txBody>
+      </p:sp>
     </p:spTree>
     <p:extLst>
       <p:ext uri="{BB962C8B-B14F-4D97-AF65-F5344CB8AC3E}">
@@ -7222,7 +8093,7 @@
           <p:cNvPr id="2" name="Title 1">
             <a:extLst>
               <a:ext uri="{FF2B5EF4-FFF2-40B4-BE49-F238E27FC236}">
-                <a16:creationId xmlns:a16="http://schemas.microsoft.com/office/drawing/2014/main" id="{77BB9443-2A7C-4935-ABE0-A63BC81EA221}"/>
+                <a16:creationId xmlns:a16="http://schemas.microsoft.com/office/drawing/2014/main" id="{BF6511D0-E67C-4D84-B3C4-2CE2E29C5133}"/>
               </a:ext>
             </a:extLst>
           </p:cNvPr>
@@ -7233,171 +8104,95 @@
             <p:ph type="title"/>
           </p:nvPr>
         </p:nvSpPr>
-        <p:spPr/>
+        <p:spPr>
+          <a:xfrm>
+            <a:off x="677334" y="609600"/>
+            <a:ext cx="8596668" cy="1139190"/>
+          </a:xfrm>
+        </p:spPr>
         <p:txBody>
           <a:bodyPr/>
           <a:lstStyle/>
           <a:p>
             <a:r>
               <a:rPr lang="en-GB" dirty="0"/>
-              <a:t>Similar Existing Apps</a:t>
-            </a:r>
-          </a:p>
-        </p:txBody>
-      </p:sp>
-      <p:pic>
-        <p:nvPicPr>
-          <p:cNvPr id="5" name="Picture 4" descr="Graphical user interface, application&#10;&#10;Description automatically generated">
+              <a:t>The Idea</a:t>
+            </a:r>
+          </a:p>
+        </p:txBody>
+      </p:sp>
+      <p:sp>
+        <p:nvSpPr>
+          <p:cNvPr id="3" name="Content Placeholder 2">
             <a:extLst>
               <a:ext uri="{FF2B5EF4-FFF2-40B4-BE49-F238E27FC236}">
-                <a16:creationId xmlns:a16="http://schemas.microsoft.com/office/drawing/2014/main" id="{4AC56FAE-498A-4C70-861A-B1DF17244222}"/>
+                <a16:creationId xmlns:a16="http://schemas.microsoft.com/office/drawing/2014/main" id="{6FE23BC1-0B6E-413F-90C3-E92B246D07F7}"/>
               </a:ext>
             </a:extLst>
           </p:cNvPr>
-          <p:cNvPicPr>
-            <a:picLocks noChangeAspect="1"/>
-          </p:cNvPicPr>
-          <p:nvPr/>
-        </p:nvPicPr>
-        <p:blipFill>
-          <a:blip r:embed="rId2">
-            <a:extLst>
-              <a:ext uri="{28A0092B-C50C-407E-A947-70E740481C1C}">
-                <a14:useLocalDpi xmlns:a14="http://schemas.microsoft.com/office/drawing/2010/main" val="0"/>
-              </a:ext>
-            </a:extLst>
-          </a:blip>
-          <a:stretch>
-            <a:fillRect/>
-          </a:stretch>
-        </p:blipFill>
+          <p:cNvSpPr>
+            <a:spLocks noGrp="1"/>
+          </p:cNvSpPr>
+          <p:nvPr>
+            <p:ph idx="1"/>
+          </p:nvPr>
+        </p:nvSpPr>
         <p:spPr>
           <a:xfrm>
-            <a:off x="2336968" y="1548384"/>
-            <a:ext cx="2117250" cy="3761232"/>
+            <a:off x="677334" y="1748791"/>
+            <a:ext cx="8596668" cy="4292572"/>
           </a:xfrm>
-          <a:prstGeom prst="rect">
-            <a:avLst/>
-          </a:prstGeom>
         </p:spPr>
-      </p:pic>
-      <p:pic>
-        <p:nvPicPr>
-          <p:cNvPr id="7" name="Picture 6">
-            <a:extLst>
-              <a:ext uri="{FF2B5EF4-FFF2-40B4-BE49-F238E27FC236}">
-                <a16:creationId xmlns:a16="http://schemas.microsoft.com/office/drawing/2014/main" id="{6085B701-0FB0-4118-BDA7-364C9DD8C83B}"/>
-              </a:ext>
-            </a:extLst>
-          </p:cNvPr>
-          <p:cNvPicPr>
-            <a:picLocks noChangeAspect="1"/>
-          </p:cNvPicPr>
-          <p:nvPr/>
-        </p:nvPicPr>
-        <p:blipFill>
-          <a:blip r:embed="rId3">
-            <a:extLst>
-              <a:ext uri="{28A0092B-C50C-407E-A947-70E740481C1C}">
-                <a14:useLocalDpi xmlns:a14="http://schemas.microsoft.com/office/drawing/2010/main" val="0"/>
-              </a:ext>
-            </a:extLst>
-          </a:blip>
-          <a:stretch>
-            <a:fillRect/>
-          </a:stretch>
-        </p:blipFill>
-        <p:spPr>
-          <a:xfrm>
-            <a:off x="6838959" y="1930400"/>
-            <a:ext cx="1691846" cy="3379216"/>
-          </a:xfrm>
-          <a:prstGeom prst="rect">
-            <a:avLst/>
-          </a:prstGeom>
-        </p:spPr>
-      </p:pic>
-      <p:sp>
-        <p:nvSpPr>
-          <p:cNvPr id="8" name="TextBox 7">
-            <a:extLst>
-              <a:ext uri="{FF2B5EF4-FFF2-40B4-BE49-F238E27FC236}">
-                <a16:creationId xmlns:a16="http://schemas.microsoft.com/office/drawing/2014/main" id="{32407AE1-3766-450D-AA2A-D9E132A49484}"/>
-              </a:ext>
-            </a:extLst>
-          </p:cNvPr>
-          <p:cNvSpPr txBox="1"/>
-          <p:nvPr/>
-        </p:nvSpPr>
-        <p:spPr>
-          <a:xfrm>
-            <a:off x="5939140" y="5673590"/>
-            <a:ext cx="3491484" cy="369332"/>
-          </a:xfrm>
-          <a:prstGeom prst="rect">
-            <a:avLst/>
-          </a:prstGeom>
-          <a:noFill/>
-        </p:spPr>
-        <p:txBody>
-          <a:bodyPr wrap="square" rtlCol="0">
-            <a:spAutoFit/>
+        <p:txBody>
+          <a:bodyPr>
+            <a:normAutofit/>
           </a:bodyPr>
           <a:lstStyle/>
           <a:p>
             <a:r>
-              <a:rPr lang="en-GB" b="1" dirty="0"/>
-              <a:t>Main Screen of Shuffle Outfits</a:t>
-            </a:r>
-          </a:p>
-        </p:txBody>
-      </p:sp>
-      <p:sp>
-        <p:nvSpPr>
-          <p:cNvPr id="9" name="TextBox 8">
-            <a:extLst>
-              <a:ext uri="{FF2B5EF4-FFF2-40B4-BE49-F238E27FC236}">
-                <a16:creationId xmlns:a16="http://schemas.microsoft.com/office/drawing/2014/main" id="{6EE40623-35CF-4044-8A56-8FF8AF436A13}"/>
-              </a:ext>
-            </a:extLst>
-          </p:cNvPr>
-          <p:cNvSpPr txBox="1"/>
-          <p:nvPr/>
-        </p:nvSpPr>
-        <p:spPr>
-          <a:xfrm>
-            <a:off x="1645920" y="5673590"/>
-            <a:ext cx="4005834" cy="646331"/>
-          </a:xfrm>
-          <a:prstGeom prst="rect">
-            <a:avLst/>
-          </a:prstGeom>
-          <a:noFill/>
-        </p:spPr>
-        <p:txBody>
-          <a:bodyPr wrap="square" rtlCol="0">
-            <a:spAutoFit/>
-          </a:bodyPr>
-          <a:lstStyle/>
-          <a:p>
-            <a:r>
-              <a:rPr lang="en-GB" b="1" dirty="0" err="1"/>
-              <a:t>Combyne’s</a:t>
-            </a:r>
-            <a:r>
-              <a:rPr lang="en-GB" b="1" dirty="0"/>
-              <a:t> outfit display screen</a:t>
-            </a:r>
-          </a:p>
-          <a:p>
-            <a:endParaRPr lang="en-GB" dirty="0"/>
+              <a:rPr lang="en-GB" sz="2400" dirty="0">
+                <a:latin typeface="Arial" panose="020B0604020202020204" pitchFamily="34" charset="0"/>
+                <a:cs typeface="Arial" panose="020B0604020202020204" pitchFamily="34" charset="0"/>
+              </a:rPr>
+              <a:t>A Outfit randomiser is the solution to this problem. </a:t>
+            </a:r>
+          </a:p>
+          <a:p>
+            <a:endParaRPr lang="en-GB" sz="2400" dirty="0">
+              <a:latin typeface="Arial" panose="020B0604020202020204" pitchFamily="34" charset="0"/>
+              <a:cs typeface="Arial" panose="020B0604020202020204" pitchFamily="34" charset="0"/>
+            </a:endParaRPr>
+          </a:p>
+          <a:p>
+            <a:r>
+              <a:rPr lang="en-GB" sz="2400" dirty="0">
+                <a:latin typeface="Arial" panose="020B0604020202020204" pitchFamily="34" charset="0"/>
+                <a:cs typeface="Arial" panose="020B0604020202020204" pitchFamily="34" charset="0"/>
+              </a:rPr>
+              <a:t>An application which decided outfits for you based on your tastes.</a:t>
+            </a:r>
+          </a:p>
+          <a:p>
+            <a:endParaRPr lang="en-GB" sz="2400" dirty="0">
+              <a:latin typeface="Arial" panose="020B0604020202020204" pitchFamily="34" charset="0"/>
+              <a:cs typeface="Arial" panose="020B0604020202020204" pitchFamily="34" charset="0"/>
+            </a:endParaRPr>
+          </a:p>
+          <a:p>
+            <a:r>
+              <a:rPr lang="en-GB" sz="2400" dirty="0">
+                <a:latin typeface="Arial" panose="020B0604020202020204" pitchFamily="34" charset="0"/>
+                <a:cs typeface="Arial" panose="020B0604020202020204" pitchFamily="34" charset="0"/>
+              </a:rPr>
+              <a:t>The goal is to improve user satisfaction through the apps convenience. </a:t>
+            </a:r>
           </a:p>
         </p:txBody>
       </p:sp>
     </p:spTree>
     <p:extLst>
       <p:ext uri="{BB962C8B-B14F-4D97-AF65-F5344CB8AC3E}">
-        <p14:creationId xmlns:p14="http://schemas.microsoft.com/office/powerpoint/2010/main" val="1736921370"/>
+        <p14:creationId xmlns:p14="http://schemas.microsoft.com/office/powerpoint/2010/main" val="2291017684"/>
       </p:ext>
     </p:extLst>
   </p:cSld>
@@ -7429,7 +8224,7 @@
           <p:cNvPr id="2" name="Title 1">
             <a:extLst>
               <a:ext uri="{FF2B5EF4-FFF2-40B4-BE49-F238E27FC236}">
-                <a16:creationId xmlns:a16="http://schemas.microsoft.com/office/drawing/2014/main" id="{65DE6543-2F7D-48D8-ACED-2279B79B067C}"/>
+                <a16:creationId xmlns:a16="http://schemas.microsoft.com/office/drawing/2014/main" id="{77BB9443-2A7C-4935-ABE0-A63BC81EA221}"/>
               </a:ext>
             </a:extLst>
           </p:cNvPr>
@@ -7447,52 +8242,205 @@
           <a:p>
             <a:r>
               <a:rPr lang="en-GB" dirty="0"/>
-              <a:t>The Neural Network</a:t>
-            </a:r>
-          </a:p>
-        </p:txBody>
-      </p:sp>
-      <p:pic>
-        <p:nvPicPr>
-          <p:cNvPr id="5" name="Content Placeholder 4" descr="Diagram&#10;&#10;Description automatically generated">
+              <a:t>Existing Apps</a:t>
+            </a:r>
+          </a:p>
+        </p:txBody>
+      </p:sp>
+      <p:grpSp>
+        <p:nvGrpSpPr>
+          <p:cNvPr id="4" name="Group 3">
             <a:extLst>
               <a:ext uri="{FF2B5EF4-FFF2-40B4-BE49-F238E27FC236}">
-                <a16:creationId xmlns:a16="http://schemas.microsoft.com/office/drawing/2014/main" id="{9716C951-502F-4B74-B513-9A5EB4B6471A}"/>
+                <a16:creationId xmlns:a16="http://schemas.microsoft.com/office/drawing/2014/main" id="{6B78E71E-C2B2-471E-A053-88A6CE04D131}"/>
               </a:ext>
             </a:extLst>
           </p:cNvPr>
-          <p:cNvPicPr>
-            <a:picLocks noGrp="1" noChangeAspect="1"/>
-          </p:cNvPicPr>
-          <p:nvPr>
-            <p:ph idx="1"/>
-          </p:nvPr>
-        </p:nvPicPr>
-        <p:blipFill>
-          <a:blip r:embed="rId2">
+          <p:cNvGrpSpPr/>
+          <p:nvPr/>
+        </p:nvGrpSpPr>
+        <p:grpSpPr>
+          <a:xfrm>
+            <a:off x="2858418" y="1543057"/>
+            <a:ext cx="2117250" cy="4407563"/>
+            <a:chOff x="2038256" y="1166369"/>
+            <a:chExt cx="2117250" cy="4407563"/>
+          </a:xfrm>
+        </p:grpSpPr>
+        <p:pic>
+          <p:nvPicPr>
+            <p:cNvPr id="5" name="Picture 4" descr="Graphical user interface, application&#10;&#10;Description automatically generated">
+              <a:extLst>
+                <a:ext uri="{FF2B5EF4-FFF2-40B4-BE49-F238E27FC236}">
+                  <a16:creationId xmlns:a16="http://schemas.microsoft.com/office/drawing/2014/main" id="{4AC56FAE-498A-4C70-861A-B1DF17244222}"/>
+                </a:ext>
+              </a:extLst>
+            </p:cNvPr>
+            <p:cNvPicPr>
+              <a:picLocks noChangeAspect="1"/>
+            </p:cNvPicPr>
+            <p:nvPr/>
+          </p:nvPicPr>
+          <p:blipFill>
+            <a:blip r:embed="rId2">
+              <a:extLst>
+                <a:ext uri="{28A0092B-C50C-407E-A947-70E740481C1C}">
+                  <a14:useLocalDpi xmlns:a14="http://schemas.microsoft.com/office/drawing/2010/main" val="0"/>
+                </a:ext>
+              </a:extLst>
+            </a:blip>
+            <a:stretch>
+              <a:fillRect/>
+            </a:stretch>
+          </p:blipFill>
+          <p:spPr>
+            <a:xfrm>
+              <a:off x="2038256" y="1166369"/>
+              <a:ext cx="2117250" cy="3761232"/>
+            </a:xfrm>
+            <a:prstGeom prst="rect">
+              <a:avLst/>
+            </a:prstGeom>
+          </p:spPr>
+        </p:pic>
+        <p:sp>
+          <p:nvSpPr>
+            <p:cNvPr id="9" name="TextBox 8">
+              <a:extLst>
+                <a:ext uri="{FF2B5EF4-FFF2-40B4-BE49-F238E27FC236}">
+                  <a16:creationId xmlns:a16="http://schemas.microsoft.com/office/drawing/2014/main" id="{6EE40623-35CF-4044-8A56-8FF8AF436A13}"/>
+                </a:ext>
+              </a:extLst>
+            </p:cNvPr>
+            <p:cNvSpPr txBox="1"/>
+            <p:nvPr/>
+          </p:nvSpPr>
+          <p:spPr>
+            <a:xfrm>
+              <a:off x="2473180" y="4927601"/>
+              <a:ext cx="1247402" cy="646331"/>
+            </a:xfrm>
+            <a:prstGeom prst="rect">
+              <a:avLst/>
+            </a:prstGeom>
+            <a:noFill/>
+          </p:spPr>
+          <p:txBody>
+            <a:bodyPr wrap="square" rtlCol="0">
+              <a:spAutoFit/>
+            </a:bodyPr>
+            <a:lstStyle/>
+            <a:p>
+              <a:r>
+                <a:rPr lang="en-GB" b="1" dirty="0" err="1"/>
+                <a:t>Combyne</a:t>
+              </a:r>
+              <a:endParaRPr lang="en-GB" b="1" dirty="0"/>
+            </a:p>
+            <a:p>
+              <a:endParaRPr lang="en-GB" dirty="0"/>
+            </a:p>
+          </p:txBody>
+        </p:sp>
+      </p:grpSp>
+      <p:grpSp>
+        <p:nvGrpSpPr>
+          <p:cNvPr id="3" name="Group 2">
             <a:extLst>
-              <a:ext uri="{28A0092B-C50C-407E-A947-70E740481C1C}">
-                <a14:useLocalDpi xmlns:a14="http://schemas.microsoft.com/office/drawing/2010/main" val="0"/>
+              <a:ext uri="{FF2B5EF4-FFF2-40B4-BE49-F238E27FC236}">
+                <a16:creationId xmlns:a16="http://schemas.microsoft.com/office/drawing/2014/main" id="{1346DDDF-C0F7-4421-8DEE-22A97F21839E}"/>
               </a:ext>
             </a:extLst>
-          </a:blip>
-          <a:stretch>
-            <a:fillRect/>
-          </a:stretch>
-        </p:blipFill>
-        <p:spPr>
+          </p:cNvPr>
+          <p:cNvGrpSpPr/>
+          <p:nvPr/>
+        </p:nvGrpSpPr>
+        <p:grpSpPr>
           <a:xfrm>
-            <a:off x="1589427" y="2002972"/>
-            <a:ext cx="7017295" cy="3842544"/>
+            <a:off x="7985186" y="1930401"/>
+            <a:ext cx="1784976" cy="3736603"/>
+            <a:chOff x="6696084" y="1357377"/>
+            <a:chExt cx="1784976" cy="3736603"/>
           </a:xfrm>
-        </p:spPr>
-      </p:pic>
-      <p:sp>
-        <p:nvSpPr>
-          <p:cNvPr id="4" name="TextBox 3">
+        </p:grpSpPr>
+        <p:sp>
+          <p:nvSpPr>
+            <p:cNvPr id="8" name="TextBox 7">
+              <a:extLst>
+                <a:ext uri="{FF2B5EF4-FFF2-40B4-BE49-F238E27FC236}">
+                  <a16:creationId xmlns:a16="http://schemas.microsoft.com/office/drawing/2014/main" id="{32407AE1-3766-450D-AA2A-D9E132A49484}"/>
+                </a:ext>
+              </a:extLst>
+            </p:cNvPr>
+            <p:cNvSpPr txBox="1"/>
+            <p:nvPr/>
+          </p:nvSpPr>
+          <p:spPr>
+            <a:xfrm>
+              <a:off x="6696084" y="4724648"/>
+              <a:ext cx="1784976" cy="369332"/>
+            </a:xfrm>
+            <a:prstGeom prst="rect">
+              <a:avLst/>
+            </a:prstGeom>
+            <a:noFill/>
+          </p:spPr>
+          <p:txBody>
+            <a:bodyPr wrap="square" rtlCol="0">
+              <a:spAutoFit/>
+            </a:bodyPr>
+            <a:lstStyle/>
+            <a:p>
+              <a:r>
+                <a:rPr lang="en-GB" b="1" dirty="0"/>
+                <a:t>Shuffle Outfits</a:t>
+              </a:r>
+            </a:p>
+          </p:txBody>
+        </p:sp>
+        <p:pic>
+          <p:nvPicPr>
+            <p:cNvPr id="10" name="Picture 9">
+              <a:extLst>
+                <a:ext uri="{FF2B5EF4-FFF2-40B4-BE49-F238E27FC236}">
+                  <a16:creationId xmlns:a16="http://schemas.microsoft.com/office/drawing/2014/main" id="{761B27A0-32F7-4318-8EF5-A7D53F7BC027}"/>
+                </a:ext>
+              </a:extLst>
+            </p:cNvPr>
+            <p:cNvPicPr>
+              <a:picLocks noChangeAspect="1"/>
+            </p:cNvPicPr>
+            <p:nvPr/>
+          </p:nvPicPr>
+          <p:blipFill>
+            <a:blip r:embed="rId3">
+              <a:extLst>
+                <a:ext uri="{28A0092B-C50C-407E-A947-70E740481C1C}">
+                  <a14:useLocalDpi xmlns:a14="http://schemas.microsoft.com/office/drawing/2010/main" val="0"/>
+                </a:ext>
+              </a:extLst>
+            </a:blip>
+            <a:stretch>
+              <a:fillRect/>
+            </a:stretch>
+          </p:blipFill>
+          <p:spPr>
+            <a:xfrm>
+              <a:off x="6696084" y="1357377"/>
+              <a:ext cx="1691846" cy="3379216"/>
+            </a:xfrm>
+            <a:prstGeom prst="rect">
+              <a:avLst/>
+            </a:prstGeom>
+          </p:spPr>
+        </p:pic>
+      </p:grpSp>
+      <p:sp>
+        <p:nvSpPr>
+          <p:cNvPr id="11" name="TextBox 10">
             <a:extLst>
               <a:ext uri="{FF2B5EF4-FFF2-40B4-BE49-F238E27FC236}">
-                <a16:creationId xmlns:a16="http://schemas.microsoft.com/office/drawing/2014/main" id="{5783446A-9511-4CEE-9788-16049FAD322A}"/>
+                <a16:creationId xmlns:a16="http://schemas.microsoft.com/office/drawing/2014/main" id="{7990B862-240E-4860-BFEB-97436E07C86A}"/>
               </a:ext>
             </a:extLst>
           </p:cNvPr>
@@ -7501,8 +8449,8 @@
         </p:nvSpPr>
         <p:spPr>
           <a:xfrm>
-            <a:off x="1080978" y="6063734"/>
-            <a:ext cx="8193024" cy="369332"/>
+            <a:off x="5292146" y="2466848"/>
+            <a:ext cx="2599958" cy="2031325"/>
           </a:xfrm>
           <a:prstGeom prst="rect">
             <a:avLst/>
@@ -7516,16 +8464,122 @@
           <a:lstStyle/>
           <a:p>
             <a:r>
-              <a:rPr lang="en-GB" b="1" dirty="0"/>
-              <a:t>The basic model of the neural network which is implemented in the app</a:t>
-            </a:r>
+              <a:rPr lang="en-GB" dirty="0"/>
+              <a:t>Shuffle Outfits</a:t>
+            </a:r>
+          </a:p>
+          <a:p>
+            <a:endParaRPr lang="en-GB" dirty="0"/>
+          </a:p>
+          <a:p>
+            <a:pPr marL="285750" indent="-285750">
+              <a:buFont typeface="Arial" panose="020B0604020202020204" pitchFamily="34" charset="0"/>
+              <a:buChar char="•"/>
+            </a:pPr>
+            <a:r>
+              <a:rPr lang="en-GB" dirty="0"/>
+              <a:t>Randomly picks an outfit</a:t>
+            </a:r>
+          </a:p>
+          <a:p>
+            <a:pPr marL="285750" indent="-285750">
+              <a:buFont typeface="Arial" panose="020B0604020202020204" pitchFamily="34" charset="0"/>
+              <a:buChar char="•"/>
+            </a:pPr>
+            <a:endParaRPr lang="en-GB" dirty="0"/>
+          </a:p>
+          <a:p>
+            <a:pPr marL="285750" indent="-285750">
+              <a:buFont typeface="Arial" panose="020B0604020202020204" pitchFamily="34" charset="0"/>
+              <a:buChar char="•"/>
+            </a:pPr>
+            <a:r>
+              <a:rPr lang="en-GB" dirty="0"/>
+              <a:t>Saving preferred outfits </a:t>
+            </a:r>
+          </a:p>
+        </p:txBody>
+      </p:sp>
+      <p:sp>
+        <p:nvSpPr>
+          <p:cNvPr id="12" name="TextBox 11">
+            <a:extLst>
+              <a:ext uri="{FF2B5EF4-FFF2-40B4-BE49-F238E27FC236}">
+                <a16:creationId xmlns:a16="http://schemas.microsoft.com/office/drawing/2014/main" id="{719F2F7F-1486-482E-A798-2B0AD5F24F13}"/>
+              </a:ext>
+            </a:extLst>
+          </p:cNvPr>
+          <p:cNvSpPr txBox="1"/>
+          <p:nvPr/>
+        </p:nvSpPr>
+        <p:spPr>
+          <a:xfrm>
+            <a:off x="467897" y="2466848"/>
+            <a:ext cx="2599958" cy="2585323"/>
+          </a:xfrm>
+          <a:prstGeom prst="rect">
+            <a:avLst/>
+          </a:prstGeom>
+          <a:noFill/>
+        </p:spPr>
+        <p:txBody>
+          <a:bodyPr wrap="square" rtlCol="0">
+            <a:spAutoFit/>
+          </a:bodyPr>
+          <a:lstStyle/>
+          <a:p>
+            <a:r>
+              <a:rPr lang="en-GB" dirty="0" err="1"/>
+              <a:t>Combyne</a:t>
+            </a:r>
+            <a:endParaRPr lang="en-GB" dirty="0"/>
+          </a:p>
+          <a:p>
+            <a:endParaRPr lang="en-GB" dirty="0"/>
+          </a:p>
+          <a:p>
+            <a:pPr marL="285750" indent="-285750">
+              <a:buFont typeface="Arial" panose="020B0604020202020204" pitchFamily="34" charset="0"/>
+              <a:buChar char="•"/>
+            </a:pPr>
+            <a:r>
+              <a:rPr lang="en-GB" dirty="0"/>
+              <a:t>Social media for outfits</a:t>
+            </a:r>
+          </a:p>
+          <a:p>
+            <a:pPr marL="285750" indent="-285750">
+              <a:buFont typeface="Arial" panose="020B0604020202020204" pitchFamily="34" charset="0"/>
+              <a:buChar char="•"/>
+            </a:pPr>
+            <a:endParaRPr lang="en-GB" dirty="0"/>
+          </a:p>
+          <a:p>
+            <a:pPr marL="285750" indent="-285750">
+              <a:buFont typeface="Arial" panose="020B0604020202020204" pitchFamily="34" charset="0"/>
+              <a:buChar char="•"/>
+            </a:pPr>
+            <a:r>
+              <a:rPr lang="en-GB" dirty="0"/>
+              <a:t>Uses a virtual Wardrobe </a:t>
+            </a:r>
+          </a:p>
+          <a:p>
+            <a:pPr marL="285750" indent="-285750">
+              <a:buFont typeface="Arial" panose="020B0604020202020204" pitchFamily="34" charset="0"/>
+              <a:buChar char="•"/>
+            </a:pPr>
+            <a:endParaRPr lang="en-GB" dirty="0"/>
+          </a:p>
+          <a:p>
+            <a:endParaRPr lang="en-GB" dirty="0"/>
           </a:p>
         </p:txBody>
       </p:sp>
     </p:spTree>
     <p:extLst>
       <p:ext uri="{BB962C8B-B14F-4D97-AF65-F5344CB8AC3E}">
-        <p14:creationId xmlns:p14="http://schemas.microsoft.com/office/powerpoint/2010/main" val="2079003164"/>
+        <p14:creationId xmlns:p14="http://schemas.microsoft.com/office/powerpoint/2010/main" val="1736921370"/>
       </p:ext>
     </p:extLst>
   </p:cSld>
@@ -7557,7 +8611,7 @@
           <p:cNvPr id="2" name="Title 1">
             <a:extLst>
               <a:ext uri="{FF2B5EF4-FFF2-40B4-BE49-F238E27FC236}">
-                <a16:creationId xmlns:a16="http://schemas.microsoft.com/office/drawing/2014/main" id="{046C8CA5-A2C3-4E80-9E68-CE4AFF6C5D76}"/>
+                <a16:creationId xmlns:a16="http://schemas.microsoft.com/office/drawing/2014/main" id="{65DE6543-2F7D-48D8-ACED-2279B79B067C}"/>
               </a:ext>
             </a:extLst>
           </p:cNvPr>
@@ -7575,72 +8629,137 @@
           <a:p>
             <a:r>
               <a:rPr lang="en-GB" dirty="0"/>
-              <a:t>Success of Neural Network</a:t>
-            </a:r>
-          </a:p>
-        </p:txBody>
-      </p:sp>
-      <p:graphicFrame>
-        <p:nvGraphicFramePr>
-          <p:cNvPr id="5" name="Chart 4">
+              <a:t>The App</a:t>
+            </a:r>
+          </a:p>
+        </p:txBody>
+      </p:sp>
+      <p:sp>
+        <p:nvSpPr>
+          <p:cNvPr id="6" name="Content Placeholder 5">
             <a:extLst>
               <a:ext uri="{FF2B5EF4-FFF2-40B4-BE49-F238E27FC236}">
-                <a16:creationId xmlns:a16="http://schemas.microsoft.com/office/drawing/2014/main" id="{C59E2C67-4617-4D10-A09A-99CDF8C73162}"/>
+                <a16:creationId xmlns:a16="http://schemas.microsoft.com/office/drawing/2014/main" id="{F0DCA3FF-1707-445A-8839-8942BC938DFE}"/>
               </a:ext>
             </a:extLst>
           </p:cNvPr>
-          <p:cNvGraphicFramePr>
-            <a:graphicFrameLocks/>
-          </p:cNvGraphicFramePr>
-          <p:nvPr>
-            <p:extLst>
-              <p:ext uri="{D42A27DB-BD31-4B8C-83A1-F6EECF244321}">
-                <p14:modId xmlns:p14="http://schemas.microsoft.com/office/powerpoint/2010/main" val="2122498997"/>
-              </p:ext>
-            </p:extLst>
-          </p:nvPr>
-        </p:nvGraphicFramePr>
-        <p:xfrm>
-          <a:off x="2359152" y="2130552"/>
-          <a:ext cx="5553456" cy="3209544"/>
-        </p:xfrm>
-        <a:graphic>
-          <a:graphicData uri="http://schemas.openxmlformats.org/drawingml/2006/chart">
-            <c:chart xmlns:c="http://schemas.openxmlformats.org/drawingml/2006/chart" xmlns:r="http://schemas.openxmlformats.org/officeDocument/2006/relationships" r:id="rId2"/>
-          </a:graphicData>
-        </a:graphic>
-      </p:graphicFrame>
-      <p:sp>
-        <p:nvSpPr>
-          <p:cNvPr id="6" name="TextBox 5">
-            <a:extLst>
-              <a:ext uri="{FF2B5EF4-FFF2-40B4-BE49-F238E27FC236}">
-                <a16:creationId xmlns:a16="http://schemas.microsoft.com/office/drawing/2014/main" id="{0238EA0D-7698-43CC-A641-2C1B0A7E725D}"/>
-              </a:ext>
-            </a:extLst>
-          </p:cNvPr>
-          <p:cNvSpPr txBox="1"/>
-          <p:nvPr/>
+          <p:cNvSpPr>
+            <a:spLocks noGrp="1"/>
+          </p:cNvSpPr>
+          <p:nvPr>
+            <p:ph idx="1"/>
+          </p:nvPr>
         </p:nvSpPr>
         <p:spPr>
           <a:xfrm>
-            <a:off x="2670048" y="5704070"/>
-            <a:ext cx="5882640" cy="369332"/>
+            <a:off x="677334" y="1590675"/>
+            <a:ext cx="8596668" cy="4450687"/>
           </a:xfrm>
-          <a:prstGeom prst="rect">
-            <a:avLst/>
-          </a:prstGeom>
-          <a:noFill/>
         </p:spPr>
         <p:txBody>
-          <a:bodyPr wrap="square" rtlCol="0">
-            <a:spAutoFit/>
+          <a:bodyPr>
+            <a:noAutofit/>
           </a:bodyPr>
           <a:lstStyle/>
           <a:p>
             <a:r>
-              <a:rPr lang="en-GB" b="1" dirty="0"/>
-              <a:t>Graph of results from testing the Accuracy of the NN</a:t>
+              <a:rPr lang="en-GB" sz="2000" dirty="0">
+                <a:latin typeface="Arial" panose="020B0604020202020204" pitchFamily="34" charset="0"/>
+                <a:cs typeface="Arial" panose="020B0604020202020204" pitchFamily="34" charset="0"/>
+              </a:rPr>
+              <a:t>The application is made for android devices as it is the most used OS in the world (</a:t>
+            </a:r>
+            <a:r>
+              <a:rPr lang="en-GB" sz="2000" dirty="0">
+                <a:latin typeface="Arial" panose="020B0604020202020204" pitchFamily="34" charset="0"/>
+                <a:cs typeface="Arial" panose="020B0604020202020204" pitchFamily="34" charset="0"/>
+                <a:hlinkClick r:id="rId2"/>
+              </a:rPr>
+              <a:t>https://techjury.net/blog/android-market-share/</a:t>
+            </a:r>
+            <a:r>
+              <a:rPr lang="en-GB" sz="2000" dirty="0">
+                <a:latin typeface="Arial" panose="020B0604020202020204" pitchFamily="34" charset="0"/>
+                <a:cs typeface="Arial" panose="020B0604020202020204" pitchFamily="34" charset="0"/>
+              </a:rPr>
+              <a:t>)</a:t>
+            </a:r>
+          </a:p>
+          <a:p>
+            <a:endParaRPr lang="en-GB" sz="2000" dirty="0">
+              <a:latin typeface="Arial" panose="020B0604020202020204" pitchFamily="34" charset="0"/>
+              <a:cs typeface="Arial" panose="020B0604020202020204" pitchFamily="34" charset="0"/>
+            </a:endParaRPr>
+          </a:p>
+          <a:p>
+            <a:r>
+              <a:rPr lang="en-GB" sz="2000" dirty="0">
+                <a:latin typeface="Arial" panose="020B0604020202020204" pitchFamily="34" charset="0"/>
+                <a:cs typeface="Arial" panose="020B0604020202020204" pitchFamily="34" charset="0"/>
+              </a:rPr>
+              <a:t>The App comprises of 3 main features:</a:t>
+            </a:r>
+          </a:p>
+          <a:p>
+            <a:endParaRPr lang="en-GB" sz="2000" dirty="0">
+              <a:latin typeface="Arial" panose="020B0604020202020204" pitchFamily="34" charset="0"/>
+              <a:cs typeface="Arial" panose="020B0604020202020204" pitchFamily="34" charset="0"/>
+            </a:endParaRPr>
+          </a:p>
+          <a:p>
+            <a:pPr lvl="1"/>
+            <a:r>
+              <a:rPr lang="en-GB" sz="2000" dirty="0">
+                <a:latin typeface="Arial" panose="020B0604020202020204" pitchFamily="34" charset="0"/>
+                <a:cs typeface="Arial" panose="020B0604020202020204" pitchFamily="34" charset="0"/>
+              </a:rPr>
+              <a:t>Neural network based outfit randomisation</a:t>
+            </a:r>
+          </a:p>
+          <a:p>
+            <a:pPr lvl="1"/>
+            <a:endParaRPr lang="en-GB" sz="2000" dirty="0">
+              <a:latin typeface="Arial" panose="020B0604020202020204" pitchFamily="34" charset="0"/>
+              <a:cs typeface="Arial" panose="020B0604020202020204" pitchFamily="34" charset="0"/>
+            </a:endParaRPr>
+          </a:p>
+          <a:p>
+            <a:pPr lvl="1"/>
+            <a:r>
+              <a:rPr lang="en-GB" sz="2000" dirty="0">
+                <a:latin typeface="Arial" panose="020B0604020202020204" pitchFamily="34" charset="0"/>
+                <a:cs typeface="Arial" panose="020B0604020202020204" pitchFamily="34" charset="0"/>
+              </a:rPr>
+              <a:t>Wardrobe customisation</a:t>
+            </a:r>
+          </a:p>
+          <a:p>
+            <a:pPr lvl="1"/>
+            <a:endParaRPr lang="en-GB" sz="2000" dirty="0">
+              <a:latin typeface="Arial" panose="020B0604020202020204" pitchFamily="34" charset="0"/>
+              <a:cs typeface="Arial" panose="020B0604020202020204" pitchFamily="34" charset="0"/>
+            </a:endParaRPr>
+          </a:p>
+          <a:p>
+            <a:pPr lvl="1"/>
+            <a:r>
+              <a:rPr lang="en-GB" sz="2000" dirty="0">
+                <a:latin typeface="Arial" panose="020B0604020202020204" pitchFamily="34" charset="0"/>
+                <a:cs typeface="Arial" panose="020B0604020202020204" pitchFamily="34" charset="0"/>
+              </a:rPr>
+              <a:t>Adding items of clothing </a:t>
+            </a:r>
+          </a:p>
+          <a:p>
+            <a:pPr marL="0" indent="0">
+              <a:buNone/>
+            </a:pPr>
+            <a:r>
+              <a:rPr lang="en-GB" sz="2000" dirty="0">
+                <a:latin typeface="Arial" panose="020B0604020202020204" pitchFamily="34" charset="0"/>
+                <a:cs typeface="Arial" panose="020B0604020202020204" pitchFamily="34" charset="0"/>
+              </a:rPr>
+              <a:t>	</a:t>
             </a:r>
           </a:p>
         </p:txBody>
@@ -7648,7 +8767,7 @@
     </p:spTree>
     <p:extLst>
       <p:ext uri="{BB962C8B-B14F-4D97-AF65-F5344CB8AC3E}">
-        <p14:creationId xmlns:p14="http://schemas.microsoft.com/office/powerpoint/2010/main" val="687828159"/>
+        <p14:creationId xmlns:p14="http://schemas.microsoft.com/office/powerpoint/2010/main" val="2079003164"/>
       </p:ext>
     </p:extLst>
   </p:cSld>
@@ -7698,17 +8817,17 @@
           <a:p>
             <a:r>
               <a:rPr lang="en-GB" dirty="0"/>
-              <a:t>App Design</a:t>
+              <a:t>Outfit Randomisation</a:t>
             </a:r>
           </a:p>
         </p:txBody>
       </p:sp>
       <p:pic>
         <p:nvPicPr>
-          <p:cNvPr id="5" name="Picture 4" descr="Text&#10;&#10;Description automatically generated">
+          <p:cNvPr id="4" name="Picture 3" descr="A screenshot of a computer&#10;&#10;Description automatically generated with medium confidence">
             <a:extLst>
               <a:ext uri="{FF2B5EF4-FFF2-40B4-BE49-F238E27FC236}">
-                <a16:creationId xmlns:a16="http://schemas.microsoft.com/office/drawing/2014/main" id="{41B1BDD3-C053-40EB-A791-E57C63D0D4C9}"/>
+                <a16:creationId xmlns:a16="http://schemas.microsoft.com/office/drawing/2014/main" id="{AB22ECB8-C40C-4066-895B-995F4F7EAFDB}"/>
               </a:ext>
             </a:extLst>
           </p:cNvPr>
@@ -7716,6 +8835,176 @@
             <a:picLocks noChangeAspect="1"/>
           </p:cNvPicPr>
           <p:nvPr/>
+        </p:nvPicPr>
+        <p:blipFill rotWithShape="1">
+          <a:blip r:embed="rId2">
+            <a:extLst>
+              <a:ext uri="{28A0092B-C50C-407E-A947-70E740481C1C}">
+                <a14:useLocalDpi xmlns:a14="http://schemas.microsoft.com/office/drawing/2010/main" val="0"/>
+              </a:ext>
+            </a:extLst>
+          </a:blip>
+          <a:srcRect t="7645"/>
+          <a:stretch/>
+        </p:blipFill>
+        <p:spPr>
+          <a:xfrm>
+            <a:off x="6736692" y="1019831"/>
+            <a:ext cx="2347722" cy="4818337"/>
+          </a:xfrm>
+          <a:prstGeom prst="rect">
+            <a:avLst/>
+          </a:prstGeom>
+        </p:spPr>
+      </p:pic>
+      <p:sp>
+        <p:nvSpPr>
+          <p:cNvPr id="10" name="Content Placeholder 5">
+            <a:extLst>
+              <a:ext uri="{FF2B5EF4-FFF2-40B4-BE49-F238E27FC236}">
+                <a16:creationId xmlns:a16="http://schemas.microsoft.com/office/drawing/2014/main" id="{F4B02CDC-6086-4A38-94C1-C0B8D7D8F60F}"/>
+              </a:ext>
+            </a:extLst>
+          </p:cNvPr>
+          <p:cNvSpPr>
+            <a:spLocks noGrp="1"/>
+          </p:cNvSpPr>
+          <p:nvPr>
+            <p:ph idx="1"/>
+          </p:nvPr>
+        </p:nvSpPr>
+        <p:spPr>
+          <a:xfrm>
+            <a:off x="677334" y="1590675"/>
+            <a:ext cx="5869770" cy="4450687"/>
+          </a:xfrm>
+        </p:spPr>
+        <p:txBody>
+          <a:bodyPr>
+            <a:noAutofit/>
+          </a:bodyPr>
+          <a:lstStyle/>
+          <a:p>
+            <a:r>
+              <a:rPr lang="en-GB" sz="2400" dirty="0">
+                <a:latin typeface="Arial" panose="020B0604020202020204" pitchFamily="34" charset="0"/>
+                <a:cs typeface="Arial" panose="020B0604020202020204" pitchFamily="34" charset="0"/>
+              </a:rPr>
+              <a:t>When an outfit is randomised, the results are shown on the main screen.</a:t>
+            </a:r>
+          </a:p>
+          <a:p>
+            <a:endParaRPr lang="en-GB" sz="2400" dirty="0">
+              <a:latin typeface="Arial" panose="020B0604020202020204" pitchFamily="34" charset="0"/>
+              <a:cs typeface="Arial" panose="020B0604020202020204" pitchFamily="34" charset="0"/>
+            </a:endParaRPr>
+          </a:p>
+          <a:p>
+            <a:r>
+              <a:rPr lang="en-GB" sz="2400" dirty="0">
+                <a:latin typeface="Arial" panose="020B0604020202020204" pitchFamily="34" charset="0"/>
+                <a:cs typeface="Arial" panose="020B0604020202020204" pitchFamily="34" charset="0"/>
+              </a:rPr>
+              <a:t>The user decided if the outfit is good or bad.</a:t>
+            </a:r>
+          </a:p>
+          <a:p>
+            <a:endParaRPr lang="en-GB" sz="2400" dirty="0">
+              <a:latin typeface="Arial" panose="020B0604020202020204" pitchFamily="34" charset="0"/>
+              <a:cs typeface="Arial" panose="020B0604020202020204" pitchFamily="34" charset="0"/>
+            </a:endParaRPr>
+          </a:p>
+          <a:p>
+            <a:r>
+              <a:rPr lang="en-GB" sz="2400" dirty="0">
+                <a:latin typeface="Arial" panose="020B0604020202020204" pitchFamily="34" charset="0"/>
+                <a:cs typeface="Arial" panose="020B0604020202020204" pitchFamily="34" charset="0"/>
+              </a:rPr>
+              <a:t>The user decision dictate how the Neural Net learns</a:t>
+            </a:r>
+            <a:r>
+              <a:rPr lang="en-GB" sz="2000" dirty="0">
+                <a:latin typeface="Arial" panose="020B0604020202020204" pitchFamily="34" charset="0"/>
+                <a:cs typeface="Arial" panose="020B0604020202020204" pitchFamily="34" charset="0"/>
+              </a:rPr>
+              <a:t>	</a:t>
+            </a:r>
+          </a:p>
+        </p:txBody>
+      </p:sp>
+    </p:spTree>
+    <p:extLst>
+      <p:ext uri="{BB962C8B-B14F-4D97-AF65-F5344CB8AC3E}">
+        <p14:creationId xmlns:p14="http://schemas.microsoft.com/office/powerpoint/2010/main" val="2765140898"/>
+      </p:ext>
+    </p:extLst>
+  </p:cSld>
+  <p:clrMapOvr>
+    <a:masterClrMapping/>
+  </p:clrMapOvr>
+</p:sld>
+</file>
+
+<file path=ppt/slides/slide7.xml><?xml version="1.0" encoding="utf-8"?>
+<p:sld xmlns:a="http://schemas.openxmlformats.org/drawingml/2006/main" xmlns:r="http://schemas.openxmlformats.org/officeDocument/2006/relationships" xmlns:p="http://schemas.openxmlformats.org/presentationml/2006/main">
+  <p:cSld>
+    <p:spTree>
+      <p:nvGrpSpPr>
+        <p:cNvPr id="1" name=""/>
+        <p:cNvGrpSpPr/>
+        <p:nvPr/>
+      </p:nvGrpSpPr>
+      <p:grpSpPr>
+        <a:xfrm>
+          <a:off x="0" y="0"/>
+          <a:ext cx="0" cy="0"/>
+          <a:chOff x="0" y="0"/>
+          <a:chExt cx="0" cy="0"/>
+        </a:xfrm>
+      </p:grpSpPr>
+      <p:sp>
+        <p:nvSpPr>
+          <p:cNvPr id="2" name="Title 1">
+            <a:extLst>
+              <a:ext uri="{FF2B5EF4-FFF2-40B4-BE49-F238E27FC236}">
+                <a16:creationId xmlns:a16="http://schemas.microsoft.com/office/drawing/2014/main" id="{65DE6543-2F7D-48D8-ACED-2279B79B067C}"/>
+              </a:ext>
+            </a:extLst>
+          </p:cNvPr>
+          <p:cNvSpPr>
+            <a:spLocks noGrp="1"/>
+          </p:cNvSpPr>
+          <p:nvPr>
+            <p:ph type="title"/>
+          </p:nvPr>
+        </p:nvSpPr>
+        <p:spPr/>
+        <p:txBody>
+          <a:bodyPr/>
+          <a:lstStyle/>
+          <a:p>
+            <a:r>
+              <a:rPr lang="en-GB" dirty="0"/>
+              <a:t>The Neural Network</a:t>
+            </a:r>
+          </a:p>
+        </p:txBody>
+      </p:sp>
+      <p:pic>
+        <p:nvPicPr>
+          <p:cNvPr id="5" name="Content Placeholder 4" descr="Diagram&#10;&#10;Description automatically generated">
+            <a:extLst>
+              <a:ext uri="{FF2B5EF4-FFF2-40B4-BE49-F238E27FC236}">
+                <a16:creationId xmlns:a16="http://schemas.microsoft.com/office/drawing/2014/main" id="{9716C951-502F-4B74-B513-9A5EB4B6471A}"/>
+              </a:ext>
+            </a:extLst>
+          </p:cNvPr>
+          <p:cNvPicPr>
+            <a:picLocks noGrp="1" noChangeAspect="1"/>
+          </p:cNvPicPr>
+          <p:nvPr>
+            <p:ph idx="1"/>
+          </p:nvPr>
         </p:nvPicPr>
         <p:blipFill>
           <a:blip r:embed="rId2">
@@ -7731,20 +9020,215 @@
         </p:blipFill>
         <p:spPr>
           <a:xfrm>
-            <a:off x="1983550" y="1828799"/>
-            <a:ext cx="1868896" cy="3582051"/>
+            <a:off x="1589427" y="2002972"/>
+            <a:ext cx="7017295" cy="3842544"/>
+          </a:xfrm>
+        </p:spPr>
+      </p:pic>
+      <p:sp>
+        <p:nvSpPr>
+          <p:cNvPr id="4" name="TextBox 3">
+            <a:extLst>
+              <a:ext uri="{FF2B5EF4-FFF2-40B4-BE49-F238E27FC236}">
+                <a16:creationId xmlns:a16="http://schemas.microsoft.com/office/drawing/2014/main" id="{5783446A-9511-4CEE-9788-16049FAD322A}"/>
+              </a:ext>
+            </a:extLst>
+          </p:cNvPr>
+          <p:cNvSpPr txBox="1"/>
+          <p:nvPr/>
+        </p:nvSpPr>
+        <p:spPr>
+          <a:xfrm>
+            <a:off x="1080978" y="6063734"/>
+            <a:ext cx="8193024" cy="369332"/>
           </a:xfrm>
           <a:prstGeom prst="rect">
             <a:avLst/>
           </a:prstGeom>
+          <a:noFill/>
         </p:spPr>
-      </p:pic>
+        <p:txBody>
+          <a:bodyPr wrap="square" rtlCol="0">
+            <a:spAutoFit/>
+          </a:bodyPr>
+          <a:lstStyle/>
+          <a:p>
+            <a:r>
+              <a:rPr lang="en-GB" b="1" dirty="0"/>
+              <a:t>The basic model of the neural network which is implemented in the app</a:t>
+            </a:r>
+          </a:p>
+        </p:txBody>
+      </p:sp>
+    </p:spTree>
+    <p:extLst>
+      <p:ext uri="{BB962C8B-B14F-4D97-AF65-F5344CB8AC3E}">
+        <p14:creationId xmlns:p14="http://schemas.microsoft.com/office/powerpoint/2010/main" val="3453953881"/>
+      </p:ext>
+    </p:extLst>
+  </p:cSld>
+  <p:clrMapOvr>
+    <a:masterClrMapping/>
+  </p:clrMapOvr>
+</p:sld>
+</file>
+
+<file path=ppt/slides/slide8.xml><?xml version="1.0" encoding="utf-8"?>
+<p:sld xmlns:a="http://schemas.openxmlformats.org/drawingml/2006/main" xmlns:r="http://schemas.openxmlformats.org/officeDocument/2006/relationships" xmlns:p="http://schemas.openxmlformats.org/presentationml/2006/main">
+  <p:cSld>
+    <p:spTree>
+      <p:nvGrpSpPr>
+        <p:cNvPr id="1" name=""/>
+        <p:cNvGrpSpPr/>
+        <p:nvPr/>
+      </p:nvGrpSpPr>
+      <p:grpSpPr>
+        <a:xfrm>
+          <a:off x="0" y="0"/>
+          <a:ext cx="0" cy="0"/>
+          <a:chOff x="0" y="0"/>
+          <a:chExt cx="0" cy="0"/>
+        </a:xfrm>
+      </p:grpSpPr>
+      <p:sp>
+        <p:nvSpPr>
+          <p:cNvPr id="2" name="Title 1">
+            <a:extLst>
+              <a:ext uri="{FF2B5EF4-FFF2-40B4-BE49-F238E27FC236}">
+                <a16:creationId xmlns:a16="http://schemas.microsoft.com/office/drawing/2014/main" id="{C433B9FF-3D76-4333-85DD-AAC6F51D9811}"/>
+              </a:ext>
+            </a:extLst>
+          </p:cNvPr>
+          <p:cNvSpPr>
+            <a:spLocks noGrp="1"/>
+          </p:cNvSpPr>
+          <p:nvPr>
+            <p:ph type="title"/>
+          </p:nvPr>
+        </p:nvSpPr>
+        <p:spPr/>
+        <p:txBody>
+          <a:bodyPr/>
+          <a:lstStyle/>
+          <a:p>
+            <a:r>
+              <a:rPr lang="en-GB" dirty="0"/>
+              <a:t>Adding Clothes</a:t>
+            </a:r>
+          </a:p>
+        </p:txBody>
+      </p:sp>
+      <p:sp>
+        <p:nvSpPr>
+          <p:cNvPr id="10" name="Content Placeholder 5">
+            <a:extLst>
+              <a:ext uri="{FF2B5EF4-FFF2-40B4-BE49-F238E27FC236}">
+                <a16:creationId xmlns:a16="http://schemas.microsoft.com/office/drawing/2014/main" id="{F4B02CDC-6086-4A38-94C1-C0B8D7D8F60F}"/>
+              </a:ext>
+            </a:extLst>
+          </p:cNvPr>
+          <p:cNvSpPr>
+            <a:spLocks noGrp="1"/>
+          </p:cNvSpPr>
+          <p:nvPr>
+            <p:ph idx="1"/>
+          </p:nvPr>
+        </p:nvSpPr>
+        <p:spPr>
+          <a:xfrm>
+            <a:off x="677334" y="1590675"/>
+            <a:ext cx="5869770" cy="4450687"/>
+          </a:xfrm>
+        </p:spPr>
+        <p:txBody>
+          <a:bodyPr>
+            <a:noAutofit/>
+          </a:bodyPr>
+          <a:lstStyle/>
+          <a:p>
+            <a:r>
+              <a:rPr lang="en-GB" sz="2400" dirty="0">
+                <a:latin typeface="Arial" panose="020B0604020202020204" pitchFamily="34" charset="0"/>
+                <a:cs typeface="Arial" panose="020B0604020202020204" pitchFamily="34" charset="0"/>
+              </a:rPr>
+              <a:t>Each item of clothing has 3 main Attributes:</a:t>
+            </a:r>
+          </a:p>
+          <a:p>
+            <a:pPr lvl="1"/>
+            <a:r>
+              <a:rPr lang="en-GB" sz="2400" dirty="0">
+                <a:latin typeface="Arial" panose="020B0604020202020204" pitchFamily="34" charset="0"/>
+                <a:cs typeface="Arial" panose="020B0604020202020204" pitchFamily="34" charset="0"/>
+              </a:rPr>
+              <a:t>Name</a:t>
+            </a:r>
+          </a:p>
+          <a:p>
+            <a:pPr lvl="1"/>
+            <a:r>
+              <a:rPr lang="en-GB" sz="2400" dirty="0">
+                <a:latin typeface="Arial" panose="020B0604020202020204" pitchFamily="34" charset="0"/>
+                <a:cs typeface="Arial" panose="020B0604020202020204" pitchFamily="34" charset="0"/>
+              </a:rPr>
+              <a:t>Type</a:t>
+            </a:r>
+          </a:p>
+          <a:p>
+            <a:pPr lvl="1"/>
+            <a:r>
+              <a:rPr lang="en-GB" sz="2400" dirty="0">
+                <a:latin typeface="Arial" panose="020B0604020202020204" pitchFamily="34" charset="0"/>
+                <a:cs typeface="Arial" panose="020B0604020202020204" pitchFamily="34" charset="0"/>
+              </a:rPr>
+              <a:t>Picture</a:t>
+            </a:r>
+          </a:p>
+          <a:p>
+            <a:endParaRPr lang="en-GB" sz="2400" dirty="0">
+              <a:latin typeface="Arial" panose="020B0604020202020204" pitchFamily="34" charset="0"/>
+              <a:cs typeface="Arial" panose="020B0604020202020204" pitchFamily="34" charset="0"/>
+            </a:endParaRPr>
+          </a:p>
+          <a:p>
+            <a:r>
+              <a:rPr lang="en-GB" sz="2400" dirty="0">
+                <a:latin typeface="Arial" panose="020B0604020202020204" pitchFamily="34" charset="0"/>
+                <a:cs typeface="Arial" panose="020B0604020202020204" pitchFamily="34" charset="0"/>
+              </a:rPr>
+              <a:t>When an item is confirmed it is stored in the virtual Wardrobe</a:t>
+            </a:r>
+          </a:p>
+          <a:p>
+            <a:endParaRPr lang="en-GB" sz="2000" dirty="0">
+              <a:latin typeface="Arial" panose="020B0604020202020204" pitchFamily="34" charset="0"/>
+              <a:cs typeface="Arial" panose="020B0604020202020204" pitchFamily="34" charset="0"/>
+            </a:endParaRPr>
+          </a:p>
+          <a:p>
+            <a:pPr lvl="1"/>
+            <a:endParaRPr lang="en-GB" sz="1800" dirty="0">
+              <a:latin typeface="Arial" panose="020B0604020202020204" pitchFamily="34" charset="0"/>
+              <a:cs typeface="Arial" panose="020B0604020202020204" pitchFamily="34" charset="0"/>
+            </a:endParaRPr>
+          </a:p>
+          <a:p>
+            <a:pPr marL="457200" lvl="1" indent="0">
+              <a:buNone/>
+            </a:pPr>
+            <a:endParaRPr lang="en-GB" sz="1800" dirty="0">
+              <a:latin typeface="Arial" panose="020B0604020202020204" pitchFamily="34" charset="0"/>
+              <a:cs typeface="Arial" panose="020B0604020202020204" pitchFamily="34" charset="0"/>
+            </a:endParaRPr>
+          </a:p>
+        </p:txBody>
+      </p:sp>
       <p:pic>
         <p:nvPicPr>
-          <p:cNvPr id="7" name="Picture 6">
+          <p:cNvPr id="5" name="Picture 4" descr="Graphical user interface, application&#10;&#10;Description automatically generated">
             <a:extLst>
               <a:ext uri="{FF2B5EF4-FFF2-40B4-BE49-F238E27FC236}">
-                <a16:creationId xmlns:a16="http://schemas.microsoft.com/office/drawing/2014/main" id="{6ED0515C-7D36-4DF2-A08A-B95A5C23EF69}"/>
+                <a16:creationId xmlns:a16="http://schemas.microsoft.com/office/drawing/2014/main" id="{B20A7FE1-313D-4A78-8D0E-BE76C0F65D33}"/>
               </a:ext>
             </a:extLst>
           </p:cNvPr>
@@ -7753,34 +9237,124 @@
           </p:cNvPicPr>
           <p:nvPr/>
         </p:nvPicPr>
-        <p:blipFill>
-          <a:blip r:embed="rId3">
+        <p:blipFill rotWithShape="1">
+          <a:blip r:embed="rId2">
             <a:extLst>
               <a:ext uri="{28A0092B-C50C-407E-A947-70E740481C1C}">
                 <a14:useLocalDpi xmlns:a14="http://schemas.microsoft.com/office/drawing/2010/main" val="0"/>
               </a:ext>
             </a:extLst>
           </a:blip>
+          <a:srcRect t="8889"/>
+          <a:stretch/>
+        </p:blipFill>
+        <p:spPr>
+          <a:xfrm>
+            <a:off x="6547104" y="970057"/>
+            <a:ext cx="2428956" cy="4917886"/>
+          </a:xfrm>
+          <a:prstGeom prst="rect">
+            <a:avLst/>
+          </a:prstGeom>
+        </p:spPr>
+      </p:pic>
+    </p:spTree>
+    <p:extLst>
+      <p:ext uri="{BB962C8B-B14F-4D97-AF65-F5344CB8AC3E}">
+        <p14:creationId xmlns:p14="http://schemas.microsoft.com/office/powerpoint/2010/main" val="3485999696"/>
+      </p:ext>
+    </p:extLst>
+  </p:cSld>
+  <p:clrMapOvr>
+    <a:masterClrMapping/>
+  </p:clrMapOvr>
+</p:sld>
+</file>
+
+<file path=ppt/slides/slide9.xml><?xml version="1.0" encoding="utf-8"?>
+<p:sld xmlns:a="http://schemas.openxmlformats.org/drawingml/2006/main" xmlns:r="http://schemas.openxmlformats.org/officeDocument/2006/relationships" xmlns:p="http://schemas.openxmlformats.org/presentationml/2006/main">
+  <p:cSld>
+    <p:spTree>
+      <p:nvGrpSpPr>
+        <p:cNvPr id="1" name=""/>
+        <p:cNvGrpSpPr/>
+        <p:nvPr/>
+      </p:nvGrpSpPr>
+      <p:grpSpPr>
+        <a:xfrm>
+          <a:off x="0" y="0"/>
+          <a:ext cx="0" cy="0"/>
+          <a:chOff x="0" y="0"/>
+          <a:chExt cx="0" cy="0"/>
+        </a:xfrm>
+      </p:grpSpPr>
+      <p:sp>
+        <p:nvSpPr>
+          <p:cNvPr id="2" name="Title 1">
+            <a:extLst>
+              <a:ext uri="{FF2B5EF4-FFF2-40B4-BE49-F238E27FC236}">
+                <a16:creationId xmlns:a16="http://schemas.microsoft.com/office/drawing/2014/main" id="{C433B9FF-3D76-4333-85DD-AAC6F51D9811}"/>
+              </a:ext>
+            </a:extLst>
+          </p:cNvPr>
+          <p:cNvSpPr>
+            <a:spLocks noGrp="1"/>
+          </p:cNvSpPr>
+          <p:nvPr>
+            <p:ph type="title"/>
+          </p:nvPr>
+        </p:nvSpPr>
+        <p:spPr/>
+        <p:txBody>
+          <a:bodyPr/>
+          <a:lstStyle/>
+          <a:p>
+            <a:r>
+              <a:rPr lang="en-GB" dirty="0"/>
+              <a:t>Adding Clothes</a:t>
+            </a:r>
+          </a:p>
+        </p:txBody>
+      </p:sp>
+      <p:pic>
+        <p:nvPicPr>
+          <p:cNvPr id="3" name="Picture 2" descr="Diagram&#10;&#10;Description automatically generated">
+            <a:extLst>
+              <a:ext uri="{FF2B5EF4-FFF2-40B4-BE49-F238E27FC236}">
+                <a16:creationId xmlns:a16="http://schemas.microsoft.com/office/drawing/2014/main" id="{99DAC142-9C37-400A-BD50-FE5BDE8D7374}"/>
+              </a:ext>
+            </a:extLst>
+          </p:cNvPr>
+          <p:cNvPicPr/>
+          <p:nvPr/>
+        </p:nvPicPr>
+        <p:blipFill>
+          <a:blip r:embed="rId2"/>
           <a:stretch>
             <a:fillRect/>
           </a:stretch>
         </p:blipFill>
         <p:spPr>
           <a:xfrm>
-            <a:off x="6470660" y="1828800"/>
-            <a:ext cx="1868896" cy="3582052"/>
+            <a:off x="6096000" y="2215198"/>
+            <a:ext cx="2985770" cy="2580005"/>
           </a:xfrm>
           <a:prstGeom prst="rect">
             <a:avLst/>
           </a:prstGeom>
+          <a:noFill/>
+          <a:ln>
+            <a:noFill/>
+            <a:prstDash/>
+          </a:ln>
         </p:spPr>
       </p:pic>
       <p:sp>
         <p:nvSpPr>
-          <p:cNvPr id="8" name="TextBox 7">
+          <p:cNvPr id="4" name="TextBox 3">
             <a:extLst>
               <a:ext uri="{FF2B5EF4-FFF2-40B4-BE49-F238E27FC236}">
-                <a16:creationId xmlns:a16="http://schemas.microsoft.com/office/drawing/2014/main" id="{574D559B-0961-4A83-8EA5-1A5D88C64811}"/>
+                <a16:creationId xmlns:a16="http://schemas.microsoft.com/office/drawing/2014/main" id="{E141EC6E-0B22-4255-94DF-D9084429C8F5}"/>
               </a:ext>
             </a:extLst>
           </p:cNvPr>
@@ -7789,8 +9363,8 @@
         </p:nvSpPr>
         <p:spPr>
           <a:xfrm>
-            <a:off x="1560576" y="5765030"/>
-            <a:ext cx="2511552" cy="369332"/>
+            <a:off x="677334" y="1800225"/>
+            <a:ext cx="5171015" cy="923330"/>
           </a:xfrm>
           <a:prstGeom prst="rect">
             <a:avLst/>
@@ -7803,19 +9377,132 @@
           </a:bodyPr>
           <a:lstStyle/>
           <a:p>
-            <a:r>
-              <a:rPr lang="en-GB" b="1" dirty="0"/>
-              <a:t>Main Screen Mock-up</a:t>
-            </a:r>
-          </a:p>
-        </p:txBody>
-      </p:sp>
-      <p:sp>
-        <p:nvSpPr>
-          <p:cNvPr id="9" name="TextBox 8">
+            <a:endParaRPr lang="en-GB" dirty="0"/>
+          </a:p>
+          <a:p>
+            <a:pPr marL="285750" indent="-285750">
+              <a:buFont typeface="Arial" panose="020B0604020202020204" pitchFamily="34" charset="0"/>
+              <a:buChar char="•"/>
+            </a:pPr>
+            <a:endParaRPr lang="en-GB" dirty="0"/>
+          </a:p>
+          <a:p>
+            <a:endParaRPr lang="en-GB" dirty="0"/>
+          </a:p>
+        </p:txBody>
+      </p:sp>
+      <p:sp>
+        <p:nvSpPr>
+          <p:cNvPr id="5" name="Content Placeholder 5">
             <a:extLst>
               <a:ext uri="{FF2B5EF4-FFF2-40B4-BE49-F238E27FC236}">
-                <a16:creationId xmlns:a16="http://schemas.microsoft.com/office/drawing/2014/main" id="{7FC6EE84-C8C6-4C89-A5F7-76B9C54B06A9}"/>
+                <a16:creationId xmlns:a16="http://schemas.microsoft.com/office/drawing/2014/main" id="{1B400F18-F3B6-4327-88C1-447F931A0B55}"/>
+              </a:ext>
+            </a:extLst>
+          </p:cNvPr>
+          <p:cNvSpPr>
+            <a:spLocks noGrp="1"/>
+          </p:cNvSpPr>
+          <p:nvPr>
+            <p:ph idx="1"/>
+          </p:nvPr>
+        </p:nvSpPr>
+        <p:spPr>
+          <a:xfrm>
+            <a:off x="677334" y="1638300"/>
+            <a:ext cx="5418666" cy="4610099"/>
+          </a:xfrm>
+        </p:spPr>
+        <p:txBody>
+          <a:bodyPr>
+            <a:normAutofit/>
+          </a:bodyPr>
+          <a:lstStyle/>
+          <a:p>
+            <a:r>
+              <a:rPr lang="en-GB" sz="2000" dirty="0">
+                <a:latin typeface="Arial" panose="020B0604020202020204" pitchFamily="34" charset="0"/>
+                <a:cs typeface="Arial" panose="020B0604020202020204" pitchFamily="34" charset="0"/>
+              </a:rPr>
+              <a:t>Item of clothing added to the app are sorted into 3 categories:</a:t>
+            </a:r>
+          </a:p>
+          <a:p>
+            <a:pPr marL="0" indent="0">
+              <a:buNone/>
+            </a:pPr>
+            <a:endParaRPr lang="en-GB" sz="2000" dirty="0">
+              <a:latin typeface="Arial" panose="020B0604020202020204" pitchFamily="34" charset="0"/>
+              <a:cs typeface="Arial" panose="020B0604020202020204" pitchFamily="34" charset="0"/>
+            </a:endParaRPr>
+          </a:p>
+          <a:p>
+            <a:pPr lvl="1"/>
+            <a:r>
+              <a:rPr lang="en-GB" sz="2000" dirty="0">
+                <a:latin typeface="Arial" panose="020B0604020202020204" pitchFamily="34" charset="0"/>
+                <a:cs typeface="Arial" panose="020B0604020202020204" pitchFamily="34" charset="0"/>
+              </a:rPr>
+              <a:t>Tops e.g. Jackets, Coats</a:t>
+            </a:r>
+          </a:p>
+          <a:p>
+            <a:pPr lvl="1"/>
+            <a:endParaRPr lang="en-GB" sz="2000" dirty="0">
+              <a:latin typeface="Arial" panose="020B0604020202020204" pitchFamily="34" charset="0"/>
+              <a:cs typeface="Arial" panose="020B0604020202020204" pitchFamily="34" charset="0"/>
+            </a:endParaRPr>
+          </a:p>
+          <a:p>
+            <a:pPr lvl="1"/>
+            <a:r>
+              <a:rPr lang="en-GB" sz="2000" dirty="0">
+                <a:latin typeface="Arial" panose="020B0604020202020204" pitchFamily="34" charset="0"/>
+                <a:cs typeface="Arial" panose="020B0604020202020204" pitchFamily="34" charset="0"/>
+              </a:rPr>
+              <a:t>Under-Tops e.g. Shirts, Vests</a:t>
+            </a:r>
+          </a:p>
+          <a:p>
+            <a:pPr lvl="1"/>
+            <a:endParaRPr lang="en-GB" sz="2000" dirty="0">
+              <a:latin typeface="Arial" panose="020B0604020202020204" pitchFamily="34" charset="0"/>
+              <a:cs typeface="Arial" panose="020B0604020202020204" pitchFamily="34" charset="0"/>
+            </a:endParaRPr>
+          </a:p>
+          <a:p>
+            <a:pPr lvl="1"/>
+            <a:r>
+              <a:rPr lang="en-GB" sz="2000" dirty="0">
+                <a:latin typeface="Arial" panose="020B0604020202020204" pitchFamily="34" charset="0"/>
+                <a:cs typeface="Arial" panose="020B0604020202020204" pitchFamily="34" charset="0"/>
+              </a:rPr>
+              <a:t>Bottoms e.g. Trousers, Jeans</a:t>
+            </a:r>
+          </a:p>
+          <a:p>
+            <a:endParaRPr lang="en-GB" sz="2000" dirty="0">
+              <a:latin typeface="Arial" panose="020B0604020202020204" pitchFamily="34" charset="0"/>
+              <a:cs typeface="Arial" panose="020B0604020202020204" pitchFamily="34" charset="0"/>
+            </a:endParaRPr>
+          </a:p>
+          <a:p>
+            <a:r>
+              <a:rPr lang="en-GB" sz="2000" dirty="0">
+                <a:latin typeface="Arial" panose="020B0604020202020204" pitchFamily="34" charset="0"/>
+                <a:cs typeface="Arial" panose="020B0604020202020204" pitchFamily="34" charset="0"/>
+              </a:rPr>
+              <a:t>1 of each type is needed to  create an outfit</a:t>
+            </a:r>
+          </a:p>
+        </p:txBody>
+      </p:sp>
+      <p:sp>
+        <p:nvSpPr>
+          <p:cNvPr id="6" name="TextBox 5">
+            <a:extLst>
+              <a:ext uri="{FF2B5EF4-FFF2-40B4-BE49-F238E27FC236}">
+                <a16:creationId xmlns:a16="http://schemas.microsoft.com/office/drawing/2014/main" id="{99266CD5-E82F-4495-A05F-603A7007FBCB}"/>
               </a:ext>
             </a:extLst>
           </p:cNvPr>
@@ -7824,8 +9511,8 @@
         </p:nvSpPr>
         <p:spPr>
           <a:xfrm>
-            <a:off x="6096000" y="5765030"/>
-            <a:ext cx="2621280" cy="369332"/>
+            <a:off x="6246726" y="4876484"/>
+            <a:ext cx="2876550" cy="369332"/>
           </a:xfrm>
           <a:prstGeom prst="rect">
             <a:avLst/>
@@ -7840,7 +9527,7 @@
           <a:p>
             <a:r>
               <a:rPr lang="en-GB" b="1" dirty="0"/>
-              <a:t>Item addition Mock-up</a:t>
+              <a:t>Clothing item categories</a:t>
             </a:r>
           </a:p>
         </p:txBody>
@@ -7848,7 +9535,7 @@
     </p:spTree>
     <p:extLst>
       <p:ext uri="{BB962C8B-B14F-4D97-AF65-F5344CB8AC3E}">
-        <p14:creationId xmlns:p14="http://schemas.microsoft.com/office/powerpoint/2010/main" val="2765140898"/>
+        <p14:creationId xmlns:p14="http://schemas.microsoft.com/office/powerpoint/2010/main" val="4134139498"/>
       </p:ext>
     </p:extLst>
   </p:cSld>

--- a/porjectPosterThing.pptx
+++ b/porjectPosterThing.pptx
@@ -19,6 +19,7 @@
     <p:sldId id="292" r:id="rId13"/>
     <p:sldId id="280" r:id="rId14"/>
     <p:sldId id="283" r:id="rId15"/>
+    <p:sldId id="294" r:id="rId16"/>
   </p:sldIdLst>
   <p:sldSz cx="12192000" cy="6858000"/>
   <p:notesSz cx="6858000" cy="9144000"/>
@@ -7329,10 +7330,10 @@
       </p:sp>
       <p:pic>
         <p:nvPicPr>
-          <p:cNvPr id="4" name="Picture 3" descr="Graphical user interface&#10;&#10;Description automatically generated">
+          <p:cNvPr id="5" name="Picture 4" descr="Graphical user interface&#10;&#10;Description automatically generated">
             <a:extLst>
               <a:ext uri="{FF2B5EF4-FFF2-40B4-BE49-F238E27FC236}">
-                <a16:creationId xmlns:a16="http://schemas.microsoft.com/office/drawing/2014/main" id="{D6196635-DE8F-4362-ADB5-D4B5FDEA1284}"/>
+                <a16:creationId xmlns:a16="http://schemas.microsoft.com/office/drawing/2014/main" id="{3BE47D49-B257-43FD-B2BC-4166D444A80B}"/>
               </a:ext>
             </a:extLst>
           </p:cNvPr>
@@ -7349,13 +7350,13 @@
               </a:ext>
             </a:extLst>
           </a:blip>
-          <a:srcRect t="8300"/>
+          <a:srcRect t="8889"/>
           <a:stretch/>
         </p:blipFill>
         <p:spPr>
           <a:xfrm>
-            <a:off x="6880860" y="990654"/>
-            <a:ext cx="2393142" cy="4876692"/>
+            <a:off x="6793078" y="1018258"/>
+            <a:ext cx="2480924" cy="5023104"/>
           </a:xfrm>
           <a:prstGeom prst="rect">
             <a:avLst/>
@@ -7940,6 +7941,271 @@
 </p:sld>
 </file>
 
+<file path=ppt/slides/slide15.xml><?xml version="1.0" encoding="utf-8"?>
+<p:sld xmlns:a="http://schemas.openxmlformats.org/drawingml/2006/main" xmlns:r="http://schemas.openxmlformats.org/officeDocument/2006/relationships" xmlns:p="http://schemas.openxmlformats.org/presentationml/2006/main">
+  <p:cSld>
+    <p:spTree>
+      <p:nvGrpSpPr>
+        <p:cNvPr id="1" name=""/>
+        <p:cNvGrpSpPr/>
+        <p:nvPr/>
+      </p:nvGrpSpPr>
+      <p:grpSpPr>
+        <a:xfrm>
+          <a:off x="0" y="0"/>
+          <a:ext cx="0" cy="0"/>
+          <a:chOff x="0" y="0"/>
+          <a:chExt cx="0" cy="0"/>
+        </a:xfrm>
+      </p:grpSpPr>
+      <p:sp>
+        <p:nvSpPr>
+          <p:cNvPr id="2" name="Title 1">
+            <a:extLst>
+              <a:ext uri="{FF2B5EF4-FFF2-40B4-BE49-F238E27FC236}">
+                <a16:creationId xmlns:a16="http://schemas.microsoft.com/office/drawing/2014/main" id="{C433B9FF-3D76-4333-85DD-AAC6F51D9811}"/>
+              </a:ext>
+            </a:extLst>
+          </p:cNvPr>
+          <p:cNvSpPr>
+            <a:spLocks noGrp="1"/>
+          </p:cNvSpPr>
+          <p:nvPr>
+            <p:ph type="title"/>
+          </p:nvPr>
+        </p:nvSpPr>
+        <p:spPr/>
+        <p:txBody>
+          <a:bodyPr/>
+          <a:lstStyle/>
+          <a:p>
+            <a:r>
+              <a:rPr lang="en-GB" dirty="0"/>
+              <a:t>Conclusion</a:t>
+            </a:r>
+          </a:p>
+        </p:txBody>
+      </p:sp>
+      <p:sp>
+        <p:nvSpPr>
+          <p:cNvPr id="11" name="Content Placeholder 5">
+            <a:extLst>
+              <a:ext uri="{FF2B5EF4-FFF2-40B4-BE49-F238E27FC236}">
+                <a16:creationId xmlns:a16="http://schemas.microsoft.com/office/drawing/2014/main" id="{0E919CEE-E04A-47F5-9AD3-C83CB4B76BB7}"/>
+              </a:ext>
+            </a:extLst>
+          </p:cNvPr>
+          <p:cNvSpPr>
+            <a:spLocks noGrp="1"/>
+          </p:cNvSpPr>
+          <p:nvPr>
+            <p:ph idx="1"/>
+          </p:nvPr>
+        </p:nvSpPr>
+        <p:spPr>
+          <a:xfrm>
+            <a:off x="677334" y="1638300"/>
+            <a:ext cx="8958156" cy="4610099"/>
+          </a:xfrm>
+        </p:spPr>
+        <p:txBody>
+          <a:bodyPr>
+            <a:normAutofit fontScale="85000" lnSpcReduction="10000"/>
+          </a:bodyPr>
+          <a:lstStyle/>
+          <a:p>
+            <a:r>
+              <a:rPr kumimoji="0" lang="en-US" altLang="en-US" sz="2400" b="0" i="0" u="none" strike="noStrike" cap="none" normalizeH="0" baseline="0" dirty="0">
+                <a:ln>
+                  <a:noFill/>
+                </a:ln>
+                <a:solidFill>
+                  <a:schemeClr val="tx1"/>
+                </a:solidFill>
+                <a:effectLst/>
+                <a:latin typeface="Arial Unicode MS"/>
+              </a:rPr>
+              <a:t>[1] (Baer, 2021) Baer, D., 2021. The scientific reason why Barack Obama and Mark Zuckerberg wear the same outfit every day. [online] Business Insider Australia. Available at: &lt;https://www.businessinsider.com.au/barack-obama-mark-zuckerberg-wear-the-same-outfit-2015-4/&gt; [Accessed 19 April 2021].</a:t>
+            </a:r>
+            <a:r>
+              <a:rPr kumimoji="0" lang="en-US" altLang="en-US" sz="2000" b="0" i="0" u="none" strike="noStrike" cap="none" normalizeH="0" baseline="0" dirty="0">
+                <a:ln>
+                  <a:noFill/>
+                </a:ln>
+                <a:solidFill>
+                  <a:schemeClr val="tx1"/>
+                </a:solidFill>
+                <a:effectLst/>
+              </a:rPr>
+              <a:t> </a:t>
+            </a:r>
+            <a:endParaRPr lang="en-GB" sz="2400" dirty="0">
+              <a:solidFill>
+                <a:srgbClr val="000000"/>
+              </a:solidFill>
+              <a:effectLst/>
+            </a:endParaRPr>
+          </a:p>
+          <a:p>
+            <a:r>
+              <a:rPr lang="en-GB" sz="2400" dirty="0">
+                <a:solidFill>
+                  <a:srgbClr val="000000"/>
+                </a:solidFill>
+                <a:effectLst/>
+              </a:rPr>
+              <a:t>[2](</a:t>
+            </a:r>
+            <a:r>
+              <a:rPr lang="en-GB" sz="2400" dirty="0" err="1">
+                <a:solidFill>
+                  <a:srgbClr val="000000"/>
+                </a:solidFill>
+                <a:effectLst/>
+              </a:rPr>
+              <a:t>combyne</a:t>
+            </a:r>
+            <a:r>
+              <a:rPr lang="en-GB" sz="2400" dirty="0">
+                <a:solidFill>
+                  <a:srgbClr val="000000"/>
+                </a:solidFill>
+                <a:effectLst/>
+              </a:rPr>
+              <a:t>, 2021) Combyne.com. 2021. </a:t>
+            </a:r>
+            <a:r>
+              <a:rPr lang="en-GB" sz="2400" i="1" dirty="0" err="1">
+                <a:solidFill>
+                  <a:srgbClr val="000000"/>
+                </a:solidFill>
+                <a:effectLst/>
+              </a:rPr>
+              <a:t>combyne</a:t>
+            </a:r>
+            <a:r>
+              <a:rPr lang="en-GB" sz="2400" dirty="0">
+                <a:solidFill>
+                  <a:srgbClr val="000000"/>
+                </a:solidFill>
+                <a:effectLst/>
+              </a:rPr>
+              <a:t>. [online] Available at: &lt;https://www.combyne.com/&gt; [Accessed 19 April 2021].</a:t>
+            </a:r>
+          </a:p>
+          <a:p>
+            <a:r>
+              <a:rPr lang="en-GB" sz="2400" dirty="0">
+                <a:solidFill>
+                  <a:srgbClr val="000000"/>
+                </a:solidFill>
+                <a:effectLst/>
+              </a:rPr>
+              <a:t>[3](Shuffle Outfits, 2021)Play.google.com. 2021. </a:t>
+            </a:r>
+            <a:r>
+              <a:rPr lang="en-GB" sz="2400" i="1" dirty="0">
+                <a:solidFill>
+                  <a:srgbClr val="000000"/>
+                </a:solidFill>
+                <a:effectLst/>
+              </a:rPr>
+              <a:t>Shuffle Outfits</a:t>
+            </a:r>
+            <a:r>
+              <a:rPr lang="en-GB" sz="2400" dirty="0">
+                <a:solidFill>
+                  <a:srgbClr val="000000"/>
+                </a:solidFill>
+                <a:effectLst/>
+              </a:rPr>
+              <a:t>. [online] Available at: &lt;https://play.google.com/store/apps/details?id=net.robos.shuffleoutfit&gt; [Accessed 19 April 2021].</a:t>
+            </a:r>
+          </a:p>
+          <a:p>
+            <a:r>
+              <a:rPr kumimoji="0" lang="en-US" altLang="en-US" sz="2400" b="0" i="0" u="none" strike="noStrike" cap="none" normalizeH="0" baseline="0" dirty="0">
+                <a:ln>
+                  <a:noFill/>
+                </a:ln>
+                <a:solidFill>
+                  <a:schemeClr val="tx1"/>
+                </a:solidFill>
+                <a:effectLst/>
+                <a:latin typeface="Arial Unicode MS"/>
+              </a:rPr>
+              <a:t>[4] (101+ Android Stats You Should Know in 2021 [Infographic], 2021) </a:t>
+            </a:r>
+            <a:r>
+              <a:rPr kumimoji="0" lang="en-US" altLang="en-US" sz="2400" b="0" i="0" u="none" strike="noStrike" cap="none" normalizeH="0" baseline="0" dirty="0" err="1">
+                <a:ln>
+                  <a:noFill/>
+                </a:ln>
+                <a:solidFill>
+                  <a:schemeClr val="tx1"/>
+                </a:solidFill>
+                <a:effectLst/>
+                <a:latin typeface="Arial Unicode MS"/>
+              </a:rPr>
+              <a:t>TechJury</a:t>
+            </a:r>
+            <a:r>
+              <a:rPr kumimoji="0" lang="en-US" altLang="en-US" sz="2400" b="0" i="0" u="none" strike="noStrike" cap="none" normalizeH="0" baseline="0" dirty="0">
+                <a:ln>
+                  <a:noFill/>
+                </a:ln>
+                <a:solidFill>
+                  <a:schemeClr val="tx1"/>
+                </a:solidFill>
+                <a:effectLst/>
+                <a:latin typeface="Arial Unicode MS"/>
+              </a:rPr>
+              <a:t>. 2021. 101+ Android Stats You Should Know in 2021 [Infographic]. [online] Available at: &lt;https://techjury.net/blog/android-market-share/&gt; [Accessed 19 April 2021].</a:t>
+            </a:r>
+            <a:r>
+              <a:rPr kumimoji="0" lang="en-US" altLang="en-US" sz="2000" b="0" i="0" u="none" strike="noStrike" cap="none" normalizeH="0" baseline="0" dirty="0">
+                <a:ln>
+                  <a:noFill/>
+                </a:ln>
+                <a:solidFill>
+                  <a:schemeClr val="tx1"/>
+                </a:solidFill>
+                <a:effectLst/>
+              </a:rPr>
+              <a:t> </a:t>
+            </a:r>
+            <a:endParaRPr kumimoji="0" lang="en-US" altLang="en-US" sz="4800" b="0" i="0" u="none" strike="noStrike" cap="none" normalizeH="0" baseline="0" dirty="0">
+              <a:ln>
+                <a:noFill/>
+              </a:ln>
+              <a:solidFill>
+                <a:schemeClr val="tx1"/>
+              </a:solidFill>
+              <a:effectLst/>
+              <a:latin typeface="Arial" panose="020B0604020202020204" pitchFamily="34" charset="0"/>
+            </a:endParaRPr>
+          </a:p>
+          <a:p>
+            <a:endParaRPr lang="en-GB" sz="2400" dirty="0">
+              <a:latin typeface="Arial" panose="020B0604020202020204" pitchFamily="34" charset="0"/>
+              <a:cs typeface="Arial" panose="020B0604020202020204" pitchFamily="34" charset="0"/>
+            </a:endParaRPr>
+          </a:p>
+        </p:txBody>
+      </p:sp>
+    </p:spTree>
+    <p:extLst>
+      <p:ext uri="{BB962C8B-B14F-4D97-AF65-F5344CB8AC3E}">
+        <p14:creationId xmlns:p14="http://schemas.microsoft.com/office/powerpoint/2010/main" val="561505512"/>
+      </p:ext>
+    </p:extLst>
+  </p:cSld>
+  <p:clrMapOvr>
+    <a:masterClrMapping/>
+  </p:clrMapOvr>
+</p:sld>
+</file>
+
 <file path=ppt/slides/slide2.xml><?xml version="1.0" encoding="utf-8"?>
 <p:sld xmlns:a="http://schemas.openxmlformats.org/drawingml/2006/main" xmlns:r="http://schemas.openxmlformats.org/officeDocument/2006/relationships" xmlns:p="http://schemas.openxmlformats.org/presentationml/2006/main">
   <p:cSld>
@@ -8038,7 +8304,7 @@
                 <a:latin typeface="Arial" panose="020B0604020202020204" pitchFamily="34" charset="0"/>
                 <a:cs typeface="Arial" panose="020B0604020202020204" pitchFamily="34" charset="0"/>
               </a:rPr>
-              <a:t>Barack Obama once said “I don't want to make decisions about what I'm eating or wearing. Because I have too many other decisions to make.”  </a:t>
+              <a:t>Barack Obama once said “I don't want to make decisions about what I'm eating or wearing. Because I have too many other decisions to make.” [1] </a:t>
             </a:r>
           </a:p>
           <a:p>
@@ -8465,7 +8731,7 @@
           <a:p>
             <a:r>
               <a:rPr lang="en-GB" dirty="0"/>
-              <a:t>Shuffle Outfits</a:t>
+              <a:t>Shuffle Outfits[3]</a:t>
             </a:r>
           </a:p>
           <a:p>
@@ -8532,7 +8798,10 @@
               <a:rPr lang="en-GB" dirty="0" err="1"/>
               <a:t>Combyne</a:t>
             </a:r>
-            <a:endParaRPr lang="en-GB" dirty="0"/>
+            <a:r>
+              <a:rPr lang="en-GB" dirty="0"/>
+              <a:t>[2]</a:t>
+            </a:r>
           </a:p>
           <a:p>
             <a:endParaRPr lang="en-GB" dirty="0"/>
@@ -8667,22 +8936,7 @@
                 <a:latin typeface="Arial" panose="020B0604020202020204" pitchFamily="34" charset="0"/>
                 <a:cs typeface="Arial" panose="020B0604020202020204" pitchFamily="34" charset="0"/>
               </a:rPr>
-              <a:t>The application is made for android devices as it is the most used OS in the world (</a:t>
-            </a:r>
-            <a:r>
-              <a:rPr lang="en-GB" sz="2000" dirty="0">
-                <a:latin typeface="Arial" panose="020B0604020202020204" pitchFamily="34" charset="0"/>
-                <a:cs typeface="Arial" panose="020B0604020202020204" pitchFamily="34" charset="0"/>
-                <a:hlinkClick r:id="rId2"/>
-              </a:rPr>
-              <a:t>https://techjury.net/blog/android-market-share/</a:t>
-            </a:r>
-            <a:r>
-              <a:rPr lang="en-GB" sz="2000" dirty="0">
-                <a:latin typeface="Arial" panose="020B0604020202020204" pitchFamily="34" charset="0"/>
-                <a:cs typeface="Arial" panose="020B0604020202020204" pitchFamily="34" charset="0"/>
-              </a:rPr>
-              <a:t>)</a:t>
+              <a:t>The application is made for android devices as it is the most used OS in the world[4]</a:t>
             </a:r>
           </a:p>
           <a:p>
@@ -8849,8 +9103,8 @@
         </p:blipFill>
         <p:spPr>
           <a:xfrm>
-            <a:off x="6736692" y="1019831"/>
-            <a:ext cx="2347722" cy="4818337"/>
+            <a:off x="6839712" y="1045358"/>
+            <a:ext cx="2434290" cy="4996004"/>
           </a:xfrm>
           <a:prstGeom prst="rect">
             <a:avLst/>
@@ -8990,12 +9244,47 @@
           </a:p>
         </p:txBody>
       </p:sp>
+      <p:sp>
+        <p:nvSpPr>
+          <p:cNvPr id="4" name="TextBox 3">
+            <a:extLst>
+              <a:ext uri="{FF2B5EF4-FFF2-40B4-BE49-F238E27FC236}">
+                <a16:creationId xmlns:a16="http://schemas.microsoft.com/office/drawing/2014/main" id="{5783446A-9511-4CEE-9788-16049FAD322A}"/>
+              </a:ext>
+            </a:extLst>
+          </p:cNvPr>
+          <p:cNvSpPr txBox="1"/>
+          <p:nvPr/>
+        </p:nvSpPr>
+        <p:spPr>
+          <a:xfrm>
+            <a:off x="1080978" y="6063734"/>
+            <a:ext cx="8193024" cy="369332"/>
+          </a:xfrm>
+          <a:prstGeom prst="rect">
+            <a:avLst/>
+          </a:prstGeom>
+          <a:noFill/>
+        </p:spPr>
+        <p:txBody>
+          <a:bodyPr wrap="square" rtlCol="0">
+            <a:spAutoFit/>
+          </a:bodyPr>
+          <a:lstStyle/>
+          <a:p>
+            <a:r>
+              <a:rPr lang="en-GB" b="1" dirty="0"/>
+              <a:t>The basic model of the neural network which is implemented in the app</a:t>
+            </a:r>
+          </a:p>
+        </p:txBody>
+      </p:sp>
       <p:pic>
         <p:nvPicPr>
-          <p:cNvPr id="5" name="Content Placeholder 4" descr="Diagram&#10;&#10;Description automatically generated">
+          <p:cNvPr id="8" name="Content Placeholder 7" descr="Diagram&#10;&#10;Description automatically generated">
             <a:extLst>
               <a:ext uri="{FF2B5EF4-FFF2-40B4-BE49-F238E27FC236}">
-                <a16:creationId xmlns:a16="http://schemas.microsoft.com/office/drawing/2014/main" id="{9716C951-502F-4B74-B513-9A5EB4B6471A}"/>
+                <a16:creationId xmlns:a16="http://schemas.microsoft.com/office/drawing/2014/main" id="{D6CFF7CC-E602-46D7-A3F3-BA54A6116543}"/>
               </a:ext>
             </a:extLst>
           </p:cNvPr>
@@ -9020,46 +9309,11 @@
         </p:blipFill>
         <p:spPr>
           <a:xfrm>
-            <a:off x="1589427" y="2002972"/>
-            <a:ext cx="7017295" cy="3842544"/>
+            <a:off x="2275681" y="2018042"/>
+            <a:ext cx="5915819" cy="3573928"/>
           </a:xfrm>
         </p:spPr>
       </p:pic>
-      <p:sp>
-        <p:nvSpPr>
-          <p:cNvPr id="4" name="TextBox 3">
-            <a:extLst>
-              <a:ext uri="{FF2B5EF4-FFF2-40B4-BE49-F238E27FC236}">
-                <a16:creationId xmlns:a16="http://schemas.microsoft.com/office/drawing/2014/main" id="{5783446A-9511-4CEE-9788-16049FAD322A}"/>
-              </a:ext>
-            </a:extLst>
-          </p:cNvPr>
-          <p:cNvSpPr txBox="1"/>
-          <p:nvPr/>
-        </p:nvSpPr>
-        <p:spPr>
-          <a:xfrm>
-            <a:off x="1080978" y="6063734"/>
-            <a:ext cx="8193024" cy="369332"/>
-          </a:xfrm>
-          <a:prstGeom prst="rect">
-            <a:avLst/>
-          </a:prstGeom>
-          <a:noFill/>
-        </p:spPr>
-        <p:txBody>
-          <a:bodyPr wrap="square" rtlCol="0">
-            <a:spAutoFit/>
-          </a:bodyPr>
-          <a:lstStyle/>
-          <a:p>
-            <a:r>
-              <a:rPr lang="en-GB" b="1" dirty="0"/>
-              <a:t>The basic model of the neural network which is implemented in the app</a:t>
-            </a:r>
-          </a:p>
-        </p:txBody>
-      </p:sp>
     </p:spTree>
     <p:extLst>
       <p:ext uri="{BB962C8B-B14F-4D97-AF65-F5344CB8AC3E}">
@@ -9225,10 +9479,10 @@
       </p:sp>
       <p:pic>
         <p:nvPicPr>
-          <p:cNvPr id="5" name="Picture 4" descr="Graphical user interface, application&#10;&#10;Description automatically generated">
+          <p:cNvPr id="7" name="Picture 6" descr="Graphical user interface, application&#10;&#10;Description automatically generated">
             <a:extLst>
               <a:ext uri="{FF2B5EF4-FFF2-40B4-BE49-F238E27FC236}">
-                <a16:creationId xmlns:a16="http://schemas.microsoft.com/office/drawing/2014/main" id="{B20A7FE1-313D-4A78-8D0E-BE76C0F65D33}"/>
+                <a16:creationId xmlns:a16="http://schemas.microsoft.com/office/drawing/2014/main" id="{06DC431A-2BE6-459A-BEE5-3B00895EDC9E}"/>
               </a:ext>
             </a:extLst>
           </p:cNvPr>
@@ -9245,13 +9499,13 @@
               </a:ext>
             </a:extLst>
           </a:blip>
-          <a:srcRect t="8889"/>
+          <a:srcRect l="-1" t="8889" r="89"/>
           <a:stretch/>
         </p:blipFill>
         <p:spPr>
           <a:xfrm>
-            <a:off x="6547104" y="970057"/>
-            <a:ext cx="2428956" cy="4917886"/>
+            <a:off x="6801304" y="1030450"/>
+            <a:ext cx="2472698" cy="5010912"/>
           </a:xfrm>
           <a:prstGeom prst="rect">
             <a:avLst/>
